--- a/docs/DjangoCon_presentation.pptx
+++ b/docs/DjangoCon_presentation.pptx
@@ -12,8 +12,8 @@
   </p:handoutMasterIdLst>
   <p:sldIdLst>
     <p:sldId id="813" r:id="rId2"/>
-    <p:sldId id="838" r:id="rId3"/>
-    <p:sldId id="817" r:id="rId4"/>
+    <p:sldId id="817" r:id="rId3"/>
+    <p:sldId id="857" r:id="rId4"/>
     <p:sldId id="819" r:id="rId5"/>
     <p:sldId id="818" r:id="rId6"/>
     <p:sldId id="820" r:id="rId7"/>
@@ -774,7 +774,7 @@
             <a:fld id="{EBE8DBD6-41A4-0744-9D79-3C9C1FFF573E}" type="slidenum">
               <a:rPr lang="en-US" smtClean="0"/>
               <a:pPr/>
-              <a:t>3</a:t>
+              <a:t>2</a:t>
             </a:fld>
             <a:endParaRPr lang="en-US"/>
           </a:p>
@@ -5598,337 +5598,7 @@
   <p:timing>
     <p:tnLst>
       <p:par>
-        <p:cTn xmlns:p14="http://schemas.microsoft.com/office/powerpoint/2010/main" id="1" dur="indefinite" restart="never" nodeType="tmRoot">
-          <p:childTnLst>
-            <p:seq concurrent="1" nextAc="seek">
-              <p:cTn id="2" dur="indefinite" nodeType="mainSeq">
-                <p:childTnLst>
-                  <p:par>
-                    <p:cTn id="3" fill="hold">
-                      <p:stCondLst>
-                        <p:cond delay="indefinite"/>
-                      </p:stCondLst>
-                      <p:childTnLst>
-                        <p:par>
-                          <p:cTn id="4" fill="hold">
-                            <p:stCondLst>
-                              <p:cond delay="0"/>
-                            </p:stCondLst>
-                            <p:childTnLst>
-                              <p:par>
-                                <p:cTn id="5" presetID="1" presetClass="entr" presetSubtype="0" fill="hold" nodeType="clickEffect">
-                                  <p:stCondLst>
-                                    <p:cond delay="0"/>
-                                  </p:stCondLst>
-                                  <p:childTnLst>
-                                    <p:set>
-                                      <p:cBhvr>
-                                        <p:cTn id="6" dur="1" fill="hold">
-                                          <p:stCondLst>
-                                            <p:cond delay="0"/>
-                                          </p:stCondLst>
-                                        </p:cTn>
-                                        <p:tgtEl>
-                                          <p:spTgt spid="3">
-                                            <p:txEl>
-                                              <p:pRg st="1" end="1"/>
-                                            </p:txEl>
-                                          </p:spTgt>
-                                        </p:tgtEl>
-                                        <p:attrNameLst>
-                                          <p:attrName>style.visibility</p:attrName>
-                                        </p:attrNameLst>
-                                      </p:cBhvr>
-                                      <p:to>
-                                        <p:strVal val="visible"/>
-                                      </p:to>
-                                    </p:set>
-                                  </p:childTnLst>
-                                </p:cTn>
-                              </p:par>
-                              <p:par>
-                                <p:cTn id="7" presetID="1" presetClass="entr" presetSubtype="0" fill="hold" nodeType="withEffect">
-                                  <p:stCondLst>
-                                    <p:cond delay="0"/>
-                                  </p:stCondLst>
-                                  <p:childTnLst>
-                                    <p:set>
-                                      <p:cBhvr>
-                                        <p:cTn id="8" dur="1" fill="hold">
-                                          <p:stCondLst>
-                                            <p:cond delay="0"/>
-                                          </p:stCondLst>
-                                        </p:cTn>
-                                        <p:tgtEl>
-                                          <p:spTgt spid="3">
-                                            <p:txEl>
-                                              <p:pRg st="2" end="2"/>
-                                            </p:txEl>
-                                          </p:spTgt>
-                                        </p:tgtEl>
-                                        <p:attrNameLst>
-                                          <p:attrName>style.visibility</p:attrName>
-                                        </p:attrNameLst>
-                                      </p:cBhvr>
-                                      <p:to>
-                                        <p:strVal val="visible"/>
-                                      </p:to>
-                                    </p:set>
-                                  </p:childTnLst>
-                                </p:cTn>
-                              </p:par>
-                            </p:childTnLst>
-                          </p:cTn>
-                        </p:par>
-                      </p:childTnLst>
-                    </p:cTn>
-                  </p:par>
-                  <p:par>
-                    <p:cTn id="9" fill="hold">
-                      <p:stCondLst>
-                        <p:cond delay="indefinite"/>
-                      </p:stCondLst>
-                      <p:childTnLst>
-                        <p:par>
-                          <p:cTn id="10" fill="hold">
-                            <p:stCondLst>
-                              <p:cond delay="0"/>
-                            </p:stCondLst>
-                            <p:childTnLst>
-                              <p:par>
-                                <p:cTn id="11" presetID="1" presetClass="entr" presetSubtype="0" fill="hold" nodeType="clickEffect">
-                                  <p:stCondLst>
-                                    <p:cond delay="0"/>
-                                  </p:stCondLst>
-                                  <p:childTnLst>
-                                    <p:set>
-                                      <p:cBhvr>
-                                        <p:cTn id="12" dur="1" fill="hold">
-                                          <p:stCondLst>
-                                            <p:cond delay="0"/>
-                                          </p:stCondLst>
-                                        </p:cTn>
-                                        <p:tgtEl>
-                                          <p:spTgt spid="3">
-                                            <p:txEl>
-                                              <p:pRg st="3" end="3"/>
-                                            </p:txEl>
-                                          </p:spTgt>
-                                        </p:tgtEl>
-                                        <p:attrNameLst>
-                                          <p:attrName>style.visibility</p:attrName>
-                                        </p:attrNameLst>
-                                      </p:cBhvr>
-                                      <p:to>
-                                        <p:strVal val="visible"/>
-                                      </p:to>
-                                    </p:set>
-                                  </p:childTnLst>
-                                </p:cTn>
-                              </p:par>
-                            </p:childTnLst>
-                          </p:cTn>
-                        </p:par>
-                      </p:childTnLst>
-                    </p:cTn>
-                  </p:par>
-                  <p:par>
-                    <p:cTn id="13" fill="hold">
-                      <p:stCondLst>
-                        <p:cond delay="indefinite"/>
-                      </p:stCondLst>
-                      <p:childTnLst>
-                        <p:par>
-                          <p:cTn id="14" fill="hold">
-                            <p:stCondLst>
-                              <p:cond delay="0"/>
-                            </p:stCondLst>
-                            <p:childTnLst>
-                              <p:par>
-                                <p:cTn id="15" presetID="1" presetClass="entr" presetSubtype="0" fill="hold" nodeType="clickEffect">
-                                  <p:stCondLst>
-                                    <p:cond delay="0"/>
-                                  </p:stCondLst>
-                                  <p:childTnLst>
-                                    <p:set>
-                                      <p:cBhvr>
-                                        <p:cTn id="16" dur="1" fill="hold">
-                                          <p:stCondLst>
-                                            <p:cond delay="0"/>
-                                          </p:stCondLst>
-                                        </p:cTn>
-                                        <p:tgtEl>
-                                          <p:spTgt spid="3">
-                                            <p:txEl>
-                                              <p:pRg st="4" end="4"/>
-                                            </p:txEl>
-                                          </p:spTgt>
-                                        </p:tgtEl>
-                                        <p:attrNameLst>
-                                          <p:attrName>style.visibility</p:attrName>
-                                        </p:attrNameLst>
-                                      </p:cBhvr>
-                                      <p:to>
-                                        <p:strVal val="visible"/>
-                                      </p:to>
-                                    </p:set>
-                                  </p:childTnLst>
-                                </p:cTn>
-                              </p:par>
-                              <p:par>
-                                <p:cTn id="17" presetID="1" presetClass="entr" presetSubtype="0" fill="hold" nodeType="withEffect">
-                                  <p:stCondLst>
-                                    <p:cond delay="0"/>
-                                  </p:stCondLst>
-                                  <p:childTnLst>
-                                    <p:set>
-                                      <p:cBhvr>
-                                        <p:cTn id="18" dur="1" fill="hold">
-                                          <p:stCondLst>
-                                            <p:cond delay="0"/>
-                                          </p:stCondLst>
-                                        </p:cTn>
-                                        <p:tgtEl>
-                                          <p:spTgt spid="3">
-                                            <p:txEl>
-                                              <p:pRg st="5" end="5"/>
-                                            </p:txEl>
-                                          </p:spTgt>
-                                        </p:tgtEl>
-                                        <p:attrNameLst>
-                                          <p:attrName>style.visibility</p:attrName>
-                                        </p:attrNameLst>
-                                      </p:cBhvr>
-                                      <p:to>
-                                        <p:strVal val="visible"/>
-                                      </p:to>
-                                    </p:set>
-                                  </p:childTnLst>
-                                </p:cTn>
-                              </p:par>
-                            </p:childTnLst>
-                          </p:cTn>
-                        </p:par>
-                      </p:childTnLst>
-                    </p:cTn>
-                  </p:par>
-                  <p:par>
-                    <p:cTn id="19" fill="hold">
-                      <p:stCondLst>
-                        <p:cond delay="indefinite"/>
-                      </p:stCondLst>
-                      <p:childTnLst>
-                        <p:par>
-                          <p:cTn id="20" fill="hold">
-                            <p:stCondLst>
-                              <p:cond delay="0"/>
-                            </p:stCondLst>
-                            <p:childTnLst>
-                              <p:par>
-                                <p:cTn id="21" presetID="1" presetClass="entr" presetSubtype="0" fill="hold" nodeType="clickEffect">
-                                  <p:stCondLst>
-                                    <p:cond delay="0"/>
-                                  </p:stCondLst>
-                                  <p:childTnLst>
-                                    <p:set>
-                                      <p:cBhvr>
-                                        <p:cTn id="22" dur="1" fill="hold">
-                                          <p:stCondLst>
-                                            <p:cond delay="0"/>
-                                          </p:stCondLst>
-                                        </p:cTn>
-                                        <p:tgtEl>
-                                          <p:spTgt spid="3">
-                                            <p:txEl>
-                                              <p:pRg st="6" end="6"/>
-                                            </p:txEl>
-                                          </p:spTgt>
-                                        </p:tgtEl>
-                                        <p:attrNameLst>
-                                          <p:attrName>style.visibility</p:attrName>
-                                        </p:attrNameLst>
-                                      </p:cBhvr>
-                                      <p:to>
-                                        <p:strVal val="visible"/>
-                                      </p:to>
-                                    </p:set>
-                                  </p:childTnLst>
-                                </p:cTn>
-                              </p:par>
-                            </p:childTnLst>
-                          </p:cTn>
-                        </p:par>
-                      </p:childTnLst>
-                    </p:cTn>
-                  </p:par>
-                  <p:par>
-                    <p:cTn id="23" fill="hold">
-                      <p:stCondLst>
-                        <p:cond delay="indefinite"/>
-                      </p:stCondLst>
-                      <p:childTnLst>
-                        <p:par>
-                          <p:cTn id="24" fill="hold">
-                            <p:stCondLst>
-                              <p:cond delay="0"/>
-                            </p:stCondLst>
-                            <p:childTnLst>
-                              <p:par>
-                                <p:cTn id="25" presetID="1" presetClass="entr" presetSubtype="0" fill="hold" nodeType="clickEffect">
-                                  <p:stCondLst>
-                                    <p:cond delay="0"/>
-                                  </p:stCondLst>
-                                  <p:childTnLst>
-                                    <p:set>
-                                      <p:cBhvr>
-                                        <p:cTn id="26" dur="1" fill="hold">
-                                          <p:stCondLst>
-                                            <p:cond delay="0"/>
-                                          </p:stCondLst>
-                                        </p:cTn>
-                                        <p:tgtEl>
-                                          <p:spTgt spid="3">
-                                            <p:txEl>
-                                              <p:pRg st="7" end="7"/>
-                                            </p:txEl>
-                                          </p:spTgt>
-                                        </p:tgtEl>
-                                        <p:attrNameLst>
-                                          <p:attrName>style.visibility</p:attrName>
-                                        </p:attrNameLst>
-                                      </p:cBhvr>
-                                      <p:to>
-                                        <p:strVal val="visible"/>
-                                      </p:to>
-                                    </p:set>
-                                  </p:childTnLst>
-                                </p:cTn>
-                              </p:par>
-                            </p:childTnLst>
-                          </p:cTn>
-                        </p:par>
-                      </p:childTnLst>
-                    </p:cTn>
-                  </p:par>
-                </p:childTnLst>
-              </p:cTn>
-              <p:prevCondLst>
-                <p:cond evt="onPrev" delay="0">
-                  <p:tgtEl>
-                    <p:sldTgt/>
-                  </p:tgtEl>
-                </p:cond>
-              </p:prevCondLst>
-              <p:nextCondLst>
-                <p:cond evt="onNext" delay="0">
-                  <p:tgtEl>
-                    <p:sldTgt/>
-                  </p:tgtEl>
-                </p:cond>
-              </p:nextCondLst>
-            </p:seq>
-          </p:childTnLst>
-        </p:cTn>
+        <p:cTn xmlns:p14="http://schemas.microsoft.com/office/powerpoint/2010/main" id="1" dur="indefinite" restart="never" nodeType="tmRoot"/>
       </p:par>
     </p:tnLst>
   </p:timing>
@@ -6290,332 +5960,7 @@
   <p:timing>
     <p:tnLst>
       <p:par>
-        <p:cTn xmlns:p14="http://schemas.microsoft.com/office/powerpoint/2010/main" id="1" dur="indefinite" restart="never" nodeType="tmRoot">
-          <p:childTnLst>
-            <p:seq concurrent="1" nextAc="seek">
-              <p:cTn id="2" dur="indefinite" nodeType="mainSeq">
-                <p:childTnLst>
-                  <p:par>
-                    <p:cTn id="3" fill="hold">
-                      <p:stCondLst>
-                        <p:cond delay="indefinite"/>
-                      </p:stCondLst>
-                      <p:childTnLst>
-                        <p:par>
-                          <p:cTn id="4" fill="hold">
-                            <p:stCondLst>
-                              <p:cond delay="0"/>
-                            </p:stCondLst>
-                            <p:childTnLst>
-                              <p:par>
-                                <p:cTn id="5" presetID="1" presetClass="entr" presetSubtype="0" fill="hold" nodeType="clickEffect">
-                                  <p:stCondLst>
-                                    <p:cond delay="0"/>
-                                  </p:stCondLst>
-                                  <p:childTnLst>
-                                    <p:set>
-                                      <p:cBhvr>
-                                        <p:cTn id="6" dur="1" fill="hold">
-                                          <p:stCondLst>
-                                            <p:cond delay="0"/>
-                                          </p:stCondLst>
-                                        </p:cTn>
-                                        <p:tgtEl>
-                                          <p:spTgt spid="3">
-                                            <p:txEl>
-                                              <p:pRg st="2" end="2"/>
-                                            </p:txEl>
-                                          </p:spTgt>
-                                        </p:tgtEl>
-                                        <p:attrNameLst>
-                                          <p:attrName>style.visibility</p:attrName>
-                                        </p:attrNameLst>
-                                      </p:cBhvr>
-                                      <p:to>
-                                        <p:strVal val="visible"/>
-                                      </p:to>
-                                    </p:set>
-                                  </p:childTnLst>
-                                </p:cTn>
-                              </p:par>
-                              <p:par>
-                                <p:cTn id="7" presetID="1" presetClass="entr" presetSubtype="0" fill="hold" nodeType="withEffect">
-                                  <p:stCondLst>
-                                    <p:cond delay="0"/>
-                                  </p:stCondLst>
-                                  <p:childTnLst>
-                                    <p:set>
-                                      <p:cBhvr>
-                                        <p:cTn id="8" dur="1" fill="hold">
-                                          <p:stCondLst>
-                                            <p:cond delay="0"/>
-                                          </p:stCondLst>
-                                        </p:cTn>
-                                        <p:tgtEl>
-                                          <p:spTgt spid="3">
-                                            <p:txEl>
-                                              <p:pRg st="3" end="3"/>
-                                            </p:txEl>
-                                          </p:spTgt>
-                                        </p:tgtEl>
-                                        <p:attrNameLst>
-                                          <p:attrName>style.visibility</p:attrName>
-                                        </p:attrNameLst>
-                                      </p:cBhvr>
-                                      <p:to>
-                                        <p:strVal val="visible"/>
-                                      </p:to>
-                                    </p:set>
-                                  </p:childTnLst>
-                                </p:cTn>
-                              </p:par>
-                              <p:par>
-                                <p:cTn id="9" presetID="1" presetClass="entr" presetSubtype="0" fill="hold" nodeType="withEffect">
-                                  <p:stCondLst>
-                                    <p:cond delay="0"/>
-                                  </p:stCondLst>
-                                  <p:childTnLst>
-                                    <p:set>
-                                      <p:cBhvr>
-                                        <p:cTn id="10" dur="1" fill="hold">
-                                          <p:stCondLst>
-                                            <p:cond delay="0"/>
-                                          </p:stCondLst>
-                                        </p:cTn>
-                                        <p:tgtEl>
-                                          <p:spTgt spid="3">
-                                            <p:txEl>
-                                              <p:pRg st="4" end="4"/>
-                                            </p:txEl>
-                                          </p:spTgt>
-                                        </p:tgtEl>
-                                        <p:attrNameLst>
-                                          <p:attrName>style.visibility</p:attrName>
-                                        </p:attrNameLst>
-                                      </p:cBhvr>
-                                      <p:to>
-                                        <p:strVal val="visible"/>
-                                      </p:to>
-                                    </p:set>
-                                  </p:childTnLst>
-                                </p:cTn>
-                              </p:par>
-                              <p:par>
-                                <p:cTn id="11" presetID="1" presetClass="entr" presetSubtype="0" fill="hold" nodeType="withEffect">
-                                  <p:stCondLst>
-                                    <p:cond delay="0"/>
-                                  </p:stCondLst>
-                                  <p:childTnLst>
-                                    <p:set>
-                                      <p:cBhvr>
-                                        <p:cTn id="12" dur="1" fill="hold">
-                                          <p:stCondLst>
-                                            <p:cond delay="0"/>
-                                          </p:stCondLst>
-                                        </p:cTn>
-                                        <p:tgtEl>
-                                          <p:spTgt spid="3">
-                                            <p:txEl>
-                                              <p:pRg st="5" end="5"/>
-                                            </p:txEl>
-                                          </p:spTgt>
-                                        </p:tgtEl>
-                                        <p:attrNameLst>
-                                          <p:attrName>style.visibility</p:attrName>
-                                        </p:attrNameLst>
-                                      </p:cBhvr>
-                                      <p:to>
-                                        <p:strVal val="visible"/>
-                                      </p:to>
-                                    </p:set>
-                                  </p:childTnLst>
-                                </p:cTn>
-                              </p:par>
-                              <p:par>
-                                <p:cTn id="13" presetID="1" presetClass="entr" presetSubtype="0" fill="hold" nodeType="withEffect">
-                                  <p:stCondLst>
-                                    <p:cond delay="0"/>
-                                  </p:stCondLst>
-                                  <p:childTnLst>
-                                    <p:set>
-                                      <p:cBhvr>
-                                        <p:cTn id="14" dur="1" fill="hold">
-                                          <p:stCondLst>
-                                            <p:cond delay="0"/>
-                                          </p:stCondLst>
-                                        </p:cTn>
-                                        <p:tgtEl>
-                                          <p:spTgt spid="3">
-                                            <p:txEl>
-                                              <p:pRg st="6" end="6"/>
-                                            </p:txEl>
-                                          </p:spTgt>
-                                        </p:tgtEl>
-                                        <p:attrNameLst>
-                                          <p:attrName>style.visibility</p:attrName>
-                                        </p:attrNameLst>
-                                      </p:cBhvr>
-                                      <p:to>
-                                        <p:strVal val="visible"/>
-                                      </p:to>
-                                    </p:set>
-                                  </p:childTnLst>
-                                </p:cTn>
-                              </p:par>
-                            </p:childTnLst>
-                          </p:cTn>
-                        </p:par>
-                      </p:childTnLst>
-                    </p:cTn>
-                  </p:par>
-                  <p:par>
-                    <p:cTn id="15" fill="hold">
-                      <p:stCondLst>
-                        <p:cond delay="indefinite"/>
-                      </p:stCondLst>
-                      <p:childTnLst>
-                        <p:par>
-                          <p:cTn id="16" fill="hold">
-                            <p:stCondLst>
-                              <p:cond delay="0"/>
-                            </p:stCondLst>
-                            <p:childTnLst>
-                              <p:par>
-                                <p:cTn id="17" presetID="1" presetClass="entr" presetSubtype="0" fill="hold" nodeType="clickEffect">
-                                  <p:stCondLst>
-                                    <p:cond delay="0"/>
-                                  </p:stCondLst>
-                                  <p:childTnLst>
-                                    <p:set>
-                                      <p:cBhvr>
-                                        <p:cTn id="18" dur="1" fill="hold">
-                                          <p:stCondLst>
-                                            <p:cond delay="0"/>
-                                          </p:stCondLst>
-                                        </p:cTn>
-                                        <p:tgtEl>
-                                          <p:spTgt spid="3">
-                                            <p:txEl>
-                                              <p:pRg st="7" end="7"/>
-                                            </p:txEl>
-                                          </p:spTgt>
-                                        </p:tgtEl>
-                                        <p:attrNameLst>
-                                          <p:attrName>style.visibility</p:attrName>
-                                        </p:attrNameLst>
-                                      </p:cBhvr>
-                                      <p:to>
-                                        <p:strVal val="visible"/>
-                                      </p:to>
-                                    </p:set>
-                                  </p:childTnLst>
-                                </p:cTn>
-                              </p:par>
-                              <p:par>
-                                <p:cTn id="19" presetID="1" presetClass="entr" presetSubtype="0" fill="hold" nodeType="withEffect">
-                                  <p:stCondLst>
-                                    <p:cond delay="0"/>
-                                  </p:stCondLst>
-                                  <p:childTnLst>
-                                    <p:set>
-                                      <p:cBhvr>
-                                        <p:cTn id="20" dur="1" fill="hold">
-                                          <p:stCondLst>
-                                            <p:cond delay="0"/>
-                                          </p:stCondLst>
-                                        </p:cTn>
-                                        <p:tgtEl>
-                                          <p:spTgt spid="3">
-                                            <p:txEl>
-                                              <p:pRg st="8" end="8"/>
-                                            </p:txEl>
-                                          </p:spTgt>
-                                        </p:tgtEl>
-                                        <p:attrNameLst>
-                                          <p:attrName>style.visibility</p:attrName>
-                                        </p:attrNameLst>
-                                      </p:cBhvr>
-                                      <p:to>
-                                        <p:strVal val="visible"/>
-                                      </p:to>
-                                    </p:set>
-                                  </p:childTnLst>
-                                </p:cTn>
-                              </p:par>
-                            </p:childTnLst>
-                          </p:cTn>
-                        </p:par>
-                      </p:childTnLst>
-                    </p:cTn>
-                  </p:par>
-                  <p:par>
-                    <p:cTn id="21" fill="hold">
-                      <p:stCondLst>
-                        <p:cond delay="indefinite"/>
-                      </p:stCondLst>
-                      <p:childTnLst>
-                        <p:par>
-                          <p:cTn id="22" fill="hold">
-                            <p:stCondLst>
-                              <p:cond delay="0"/>
-                            </p:stCondLst>
-                            <p:childTnLst>
-                              <p:par>
-                                <p:cTn id="23" presetID="1" presetClass="entr" presetSubtype="0" fill="hold" nodeType="clickEffect">
-                                  <p:stCondLst>
-                                    <p:cond delay="0"/>
-                                  </p:stCondLst>
-                                  <p:childTnLst>
-                                    <p:set>
-                                      <p:cBhvr>
-                                        <p:cTn id="24" dur="1" fill="hold">
-                                          <p:stCondLst>
-                                            <p:cond delay="0"/>
-                                          </p:stCondLst>
-                                        </p:cTn>
-                                        <p:tgtEl>
-                                          <p:spTgt spid="3">
-                                            <p:txEl>
-                                              <p:pRg st="9" end="9"/>
-                                            </p:txEl>
-                                          </p:spTgt>
-                                        </p:tgtEl>
-                                        <p:attrNameLst>
-                                          <p:attrName>style.visibility</p:attrName>
-                                        </p:attrNameLst>
-                                      </p:cBhvr>
-                                      <p:to>
-                                        <p:strVal val="visible"/>
-                                      </p:to>
-                                    </p:set>
-                                  </p:childTnLst>
-                                </p:cTn>
-                              </p:par>
-                            </p:childTnLst>
-                          </p:cTn>
-                        </p:par>
-                      </p:childTnLst>
-                    </p:cTn>
-                  </p:par>
-                </p:childTnLst>
-              </p:cTn>
-              <p:prevCondLst>
-                <p:cond evt="onPrev" delay="0">
-                  <p:tgtEl>
-                    <p:sldTgt/>
-                  </p:tgtEl>
-                </p:cond>
-              </p:prevCondLst>
-              <p:nextCondLst>
-                <p:cond evt="onNext" delay="0">
-                  <p:tgtEl>
-                    <p:sldTgt/>
-                  </p:tgtEl>
-                </p:cond>
-              </p:nextCondLst>
-            </p:seq>
-          </p:childTnLst>
-        </p:cTn>
+        <p:cTn xmlns:p14="http://schemas.microsoft.com/office/powerpoint/2010/main" id="1" dur="indefinite" restart="never" nodeType="tmRoot"/>
       </p:par>
     </p:tnLst>
   </p:timing>
@@ -6762,177 +6107,7 @@
   <p:timing>
     <p:tnLst>
       <p:par>
-        <p:cTn xmlns:p14="http://schemas.microsoft.com/office/powerpoint/2010/main" id="1" dur="indefinite" restart="never" nodeType="tmRoot">
-          <p:childTnLst>
-            <p:seq concurrent="1" nextAc="seek">
-              <p:cTn id="2" dur="indefinite" nodeType="mainSeq">
-                <p:childTnLst>
-                  <p:par>
-                    <p:cTn id="3" fill="hold">
-                      <p:stCondLst>
-                        <p:cond delay="indefinite"/>
-                      </p:stCondLst>
-                      <p:childTnLst>
-                        <p:par>
-                          <p:cTn id="4" fill="hold">
-                            <p:stCondLst>
-                              <p:cond delay="0"/>
-                            </p:stCondLst>
-                            <p:childTnLst>
-                              <p:par>
-                                <p:cTn id="5" presetID="1" presetClass="entr" presetSubtype="0" fill="hold" nodeType="clickEffect">
-                                  <p:stCondLst>
-                                    <p:cond delay="0"/>
-                                  </p:stCondLst>
-                                  <p:childTnLst>
-                                    <p:set>
-                                      <p:cBhvr>
-                                        <p:cTn id="6" dur="1" fill="hold">
-                                          <p:stCondLst>
-                                            <p:cond delay="0"/>
-                                          </p:stCondLst>
-                                        </p:cTn>
-                                        <p:tgtEl>
-                                          <p:spTgt spid="3">
-                                            <p:txEl>
-                                              <p:pRg st="2" end="2"/>
-                                            </p:txEl>
-                                          </p:spTgt>
-                                        </p:tgtEl>
-                                        <p:attrNameLst>
-                                          <p:attrName>style.visibility</p:attrName>
-                                        </p:attrNameLst>
-                                      </p:cBhvr>
-                                      <p:to>
-                                        <p:strVal val="visible"/>
-                                      </p:to>
-                                    </p:set>
-                                  </p:childTnLst>
-                                </p:cTn>
-                              </p:par>
-                            </p:childTnLst>
-                          </p:cTn>
-                        </p:par>
-                      </p:childTnLst>
-                    </p:cTn>
-                  </p:par>
-                  <p:par>
-                    <p:cTn id="7" fill="hold">
-                      <p:stCondLst>
-                        <p:cond delay="indefinite"/>
-                      </p:stCondLst>
-                      <p:childTnLst>
-                        <p:par>
-                          <p:cTn id="8" fill="hold">
-                            <p:stCondLst>
-                              <p:cond delay="0"/>
-                            </p:stCondLst>
-                            <p:childTnLst>
-                              <p:par>
-                                <p:cTn id="9" presetID="1" presetClass="entr" presetSubtype="0" fill="hold" nodeType="clickEffect">
-                                  <p:stCondLst>
-                                    <p:cond delay="0"/>
-                                  </p:stCondLst>
-                                  <p:childTnLst>
-                                    <p:set>
-                                      <p:cBhvr>
-                                        <p:cTn id="10" dur="1" fill="hold">
-                                          <p:stCondLst>
-                                            <p:cond delay="0"/>
-                                          </p:stCondLst>
-                                        </p:cTn>
-                                        <p:tgtEl>
-                                          <p:spTgt spid="3">
-                                            <p:txEl>
-                                              <p:pRg st="3" end="3"/>
-                                            </p:txEl>
-                                          </p:spTgt>
-                                        </p:tgtEl>
-                                        <p:attrNameLst>
-                                          <p:attrName>style.visibility</p:attrName>
-                                        </p:attrNameLst>
-                                      </p:cBhvr>
-                                      <p:to>
-                                        <p:strVal val="visible"/>
-                                      </p:to>
-                                    </p:set>
-                                  </p:childTnLst>
-                                </p:cTn>
-                              </p:par>
-                            </p:childTnLst>
-                          </p:cTn>
-                        </p:par>
-                      </p:childTnLst>
-                    </p:cTn>
-                  </p:par>
-                  <p:par>
-                    <p:cTn id="11" fill="hold">
-                      <p:stCondLst>
-                        <p:cond delay="indefinite"/>
-                      </p:stCondLst>
-                      <p:childTnLst>
-                        <p:par>
-                          <p:cTn id="12" fill="hold">
-                            <p:stCondLst>
-                              <p:cond delay="0"/>
-                            </p:stCondLst>
-                            <p:childTnLst>
-                              <p:par>
-                                <p:cTn id="13" presetID="1" presetClass="entr" presetSubtype="0" fill="hold" nodeType="clickEffect">
-                                  <p:stCondLst>
-                                    <p:cond delay="0"/>
-                                  </p:stCondLst>
-                                  <p:childTnLst>
-                                    <p:set>
-                                      <p:cBhvr>
-                                        <p:cTn id="14" dur="1" fill="hold">
-                                          <p:stCondLst>
-                                            <p:cond delay="0"/>
-                                          </p:stCondLst>
-                                        </p:cTn>
-                                        <p:tgtEl>
-                                          <p:spTgt spid="3">
-                                            <p:txEl>
-                                              <p:pRg st="4" end="4"/>
-                                            </p:txEl>
-                                          </p:spTgt>
-                                        </p:tgtEl>
-                                        <p:attrNameLst>
-                                          <p:attrName>style.visibility</p:attrName>
-                                        </p:attrNameLst>
-                                      </p:cBhvr>
-                                      <p:to>
-                                        <p:strVal val="visible"/>
-                                      </p:to>
-                                    </p:set>
-                                  </p:childTnLst>
-                                </p:cTn>
-                              </p:par>
-                            </p:childTnLst>
-                          </p:cTn>
-                        </p:par>
-                      </p:childTnLst>
-                    </p:cTn>
-                  </p:par>
-                </p:childTnLst>
-              </p:cTn>
-              <p:prevCondLst>
-                <p:cond evt="onPrev" delay="0">
-                  <p:tgtEl>
-                    <p:sldTgt/>
-                  </p:tgtEl>
-                </p:cond>
-              </p:prevCondLst>
-              <p:nextCondLst>
-                <p:cond evt="onNext" delay="0">
-                  <p:tgtEl>
-                    <p:sldTgt/>
-                  </p:tgtEl>
-                </p:cond>
-              </p:nextCondLst>
-            </p:seq>
-          </p:childTnLst>
-        </p:cTn>
+        <p:cTn xmlns:p14="http://schemas.microsoft.com/office/powerpoint/2010/main" id="1" dur="indefinite" restart="never" nodeType="tmRoot"/>
       </p:par>
     </p:tnLst>
   </p:timing>
@@ -7284,234 +6459,7 @@
   <p:timing>
     <p:tnLst>
       <p:par>
-        <p:cTn xmlns:p14="http://schemas.microsoft.com/office/powerpoint/2010/main" id="1" dur="indefinite" restart="never" nodeType="tmRoot">
-          <p:childTnLst>
-            <p:seq concurrent="1" nextAc="seek">
-              <p:cTn id="2" dur="indefinite" nodeType="mainSeq">
-                <p:childTnLst>
-                  <p:par>
-                    <p:cTn id="3" fill="hold">
-                      <p:stCondLst>
-                        <p:cond delay="indefinite"/>
-                      </p:stCondLst>
-                      <p:childTnLst>
-                        <p:par>
-                          <p:cTn id="4" fill="hold">
-                            <p:stCondLst>
-                              <p:cond delay="0"/>
-                            </p:stCondLst>
-                            <p:childTnLst>
-                              <p:par>
-                                <p:cTn id="5" presetID="1" presetClass="entr" presetSubtype="0" fill="hold" nodeType="clickEffect">
-                                  <p:stCondLst>
-                                    <p:cond delay="0"/>
-                                  </p:stCondLst>
-                                  <p:childTnLst>
-                                    <p:set>
-                                      <p:cBhvr>
-                                        <p:cTn id="6" dur="1" fill="hold">
-                                          <p:stCondLst>
-                                            <p:cond delay="0"/>
-                                          </p:stCondLst>
-                                        </p:cTn>
-                                        <p:tgtEl>
-                                          <p:spTgt spid="3">
-                                            <p:txEl>
-                                              <p:pRg st="1" end="1"/>
-                                            </p:txEl>
-                                          </p:spTgt>
-                                        </p:tgtEl>
-                                        <p:attrNameLst>
-                                          <p:attrName>style.visibility</p:attrName>
-                                        </p:attrNameLst>
-                                      </p:cBhvr>
-                                      <p:to>
-                                        <p:strVal val="visible"/>
-                                      </p:to>
-                                    </p:set>
-                                  </p:childTnLst>
-                                </p:cTn>
-                              </p:par>
-                              <p:par>
-                                <p:cTn id="7" presetID="1" presetClass="entr" presetSubtype="0" fill="hold" nodeType="withEffect">
-                                  <p:stCondLst>
-                                    <p:cond delay="0"/>
-                                  </p:stCondLst>
-                                  <p:childTnLst>
-                                    <p:set>
-                                      <p:cBhvr>
-                                        <p:cTn id="8" dur="1" fill="hold">
-                                          <p:stCondLst>
-                                            <p:cond delay="0"/>
-                                          </p:stCondLst>
-                                        </p:cTn>
-                                        <p:tgtEl>
-                                          <p:spTgt spid="3">
-                                            <p:txEl>
-                                              <p:pRg st="2" end="2"/>
-                                            </p:txEl>
-                                          </p:spTgt>
-                                        </p:tgtEl>
-                                        <p:attrNameLst>
-                                          <p:attrName>style.visibility</p:attrName>
-                                        </p:attrNameLst>
-                                      </p:cBhvr>
-                                      <p:to>
-                                        <p:strVal val="visible"/>
-                                      </p:to>
-                                    </p:set>
-                                  </p:childTnLst>
-                                </p:cTn>
-                              </p:par>
-                              <p:par>
-                                <p:cTn id="9" presetID="1" presetClass="entr" presetSubtype="0" fill="hold" nodeType="withEffect">
-                                  <p:stCondLst>
-                                    <p:cond delay="0"/>
-                                  </p:stCondLst>
-                                  <p:childTnLst>
-                                    <p:set>
-                                      <p:cBhvr>
-                                        <p:cTn id="10" dur="1" fill="hold">
-                                          <p:stCondLst>
-                                            <p:cond delay="0"/>
-                                          </p:stCondLst>
-                                        </p:cTn>
-                                        <p:tgtEl>
-                                          <p:spTgt spid="3">
-                                            <p:txEl>
-                                              <p:pRg st="3" end="3"/>
-                                            </p:txEl>
-                                          </p:spTgt>
-                                        </p:tgtEl>
-                                        <p:attrNameLst>
-                                          <p:attrName>style.visibility</p:attrName>
-                                        </p:attrNameLst>
-                                      </p:cBhvr>
-                                      <p:to>
-                                        <p:strVal val="visible"/>
-                                      </p:to>
-                                    </p:set>
-                                  </p:childTnLst>
-                                </p:cTn>
-                              </p:par>
-                              <p:par>
-                                <p:cTn id="11" presetID="1" presetClass="entr" presetSubtype="0" fill="hold" nodeType="withEffect">
-                                  <p:stCondLst>
-                                    <p:cond delay="0"/>
-                                  </p:stCondLst>
-                                  <p:childTnLst>
-                                    <p:set>
-                                      <p:cBhvr>
-                                        <p:cTn id="12" dur="1" fill="hold">
-                                          <p:stCondLst>
-                                            <p:cond delay="0"/>
-                                          </p:stCondLst>
-                                        </p:cTn>
-                                        <p:tgtEl>
-                                          <p:spTgt spid="3">
-                                            <p:txEl>
-                                              <p:pRg st="4" end="4"/>
-                                            </p:txEl>
-                                          </p:spTgt>
-                                        </p:tgtEl>
-                                        <p:attrNameLst>
-                                          <p:attrName>style.visibility</p:attrName>
-                                        </p:attrNameLst>
-                                      </p:cBhvr>
-                                      <p:to>
-                                        <p:strVal val="visible"/>
-                                      </p:to>
-                                    </p:set>
-                                  </p:childTnLst>
-                                </p:cTn>
-                              </p:par>
-                              <p:par>
-                                <p:cTn id="13" presetID="1" presetClass="entr" presetSubtype="0" fill="hold" nodeType="withEffect">
-                                  <p:stCondLst>
-                                    <p:cond delay="0"/>
-                                  </p:stCondLst>
-                                  <p:childTnLst>
-                                    <p:set>
-                                      <p:cBhvr>
-                                        <p:cTn id="14" dur="1" fill="hold">
-                                          <p:stCondLst>
-                                            <p:cond delay="0"/>
-                                          </p:stCondLst>
-                                        </p:cTn>
-                                        <p:tgtEl>
-                                          <p:spTgt spid="3">
-                                            <p:txEl>
-                                              <p:pRg st="5" end="5"/>
-                                            </p:txEl>
-                                          </p:spTgt>
-                                        </p:tgtEl>
-                                        <p:attrNameLst>
-                                          <p:attrName>style.visibility</p:attrName>
-                                        </p:attrNameLst>
-                                      </p:cBhvr>
-                                      <p:to>
-                                        <p:strVal val="visible"/>
-                                      </p:to>
-                                    </p:set>
-                                  </p:childTnLst>
-                                </p:cTn>
-                              </p:par>
-                              <p:par>
-                                <p:cTn id="15" presetID="1" presetClass="entr" presetSubtype="0" fill="hold" nodeType="withEffect">
-                                  <p:stCondLst>
-                                    <p:cond delay="0"/>
-                                  </p:stCondLst>
-                                  <p:childTnLst>
-                                    <p:set>
-                                      <p:cBhvr>
-                                        <p:cTn id="16" dur="1" fill="hold">
-                                          <p:stCondLst>
-                                            <p:cond delay="0"/>
-                                          </p:stCondLst>
-                                        </p:cTn>
-                                        <p:tgtEl>
-                                          <p:spTgt spid="3">
-                                            <p:txEl>
-                                              <p:pRg st="6" end="6"/>
-                                            </p:txEl>
-                                          </p:spTgt>
-                                        </p:tgtEl>
-                                        <p:attrNameLst>
-                                          <p:attrName>style.visibility</p:attrName>
-                                        </p:attrNameLst>
-                                      </p:cBhvr>
-                                      <p:to>
-                                        <p:strVal val="visible"/>
-                                      </p:to>
-                                    </p:set>
-                                  </p:childTnLst>
-                                </p:cTn>
-                              </p:par>
-                            </p:childTnLst>
-                          </p:cTn>
-                        </p:par>
-                      </p:childTnLst>
-                    </p:cTn>
-                  </p:par>
-                </p:childTnLst>
-              </p:cTn>
-              <p:prevCondLst>
-                <p:cond evt="onPrev" delay="0">
-                  <p:tgtEl>
-                    <p:sldTgt/>
-                  </p:tgtEl>
-                </p:cond>
-              </p:prevCondLst>
-              <p:nextCondLst>
-                <p:cond evt="onNext" delay="0">
-                  <p:tgtEl>
-                    <p:sldTgt/>
-                  </p:tgtEl>
-                </p:cond>
-              </p:nextCondLst>
-            </p:seq>
-          </p:childTnLst>
-        </p:cTn>
+        <p:cTn xmlns:p14="http://schemas.microsoft.com/office/powerpoint/2010/main" id="1" dur="indefinite" restart="never" nodeType="tmRoot"/>
       </p:par>
     </p:tnLst>
   </p:timing>
@@ -7687,128 +6635,7 @@
   <p:timing>
     <p:tnLst>
       <p:par>
-        <p:cTn xmlns:p14="http://schemas.microsoft.com/office/powerpoint/2010/main" id="1" dur="indefinite" restart="never" nodeType="tmRoot">
-          <p:childTnLst>
-            <p:seq concurrent="1" nextAc="seek">
-              <p:cTn id="2" dur="indefinite" nodeType="mainSeq">
-                <p:childTnLst>
-                  <p:par>
-                    <p:cTn id="3" fill="hold">
-                      <p:stCondLst>
-                        <p:cond delay="indefinite"/>
-                      </p:stCondLst>
-                      <p:childTnLst>
-                        <p:par>
-                          <p:cTn id="4" fill="hold">
-                            <p:stCondLst>
-                              <p:cond delay="0"/>
-                            </p:stCondLst>
-                            <p:childTnLst>
-                              <p:par>
-                                <p:cTn id="5" presetID="1" presetClass="entr" presetSubtype="0" fill="hold" nodeType="clickEffect">
-                                  <p:stCondLst>
-                                    <p:cond delay="0"/>
-                                  </p:stCondLst>
-                                  <p:childTnLst>
-                                    <p:set>
-                                      <p:cBhvr>
-                                        <p:cTn id="6" dur="1" fill="hold">
-                                          <p:stCondLst>
-                                            <p:cond delay="0"/>
-                                          </p:stCondLst>
-                                        </p:cTn>
-                                        <p:tgtEl>
-                                          <p:spTgt spid="3">
-                                            <p:txEl>
-                                              <p:pRg st="6" end="6"/>
-                                            </p:txEl>
-                                          </p:spTgt>
-                                        </p:tgtEl>
-                                        <p:attrNameLst>
-                                          <p:attrName>style.visibility</p:attrName>
-                                        </p:attrNameLst>
-                                      </p:cBhvr>
-                                      <p:to>
-                                        <p:strVal val="visible"/>
-                                      </p:to>
-                                    </p:set>
-                                  </p:childTnLst>
-                                </p:cTn>
-                              </p:par>
-                            </p:childTnLst>
-                          </p:cTn>
-                        </p:par>
-                      </p:childTnLst>
-                    </p:cTn>
-                  </p:par>
-                  <p:par>
-                    <p:cTn id="7" fill="hold">
-                      <p:stCondLst>
-                        <p:cond delay="indefinite"/>
-                      </p:stCondLst>
-                      <p:childTnLst>
-                        <p:par>
-                          <p:cTn id="8" fill="hold">
-                            <p:stCondLst>
-                              <p:cond delay="0"/>
-                            </p:stCondLst>
-                            <p:childTnLst>
-                              <p:par>
-                                <p:cTn id="9" presetID="1" presetClass="entr" presetSubtype="0" fill="hold" nodeType="clickEffect">
-                                  <p:stCondLst>
-                                    <p:cond delay="0"/>
-                                  </p:stCondLst>
-                                  <p:childTnLst>
-                                    <p:set>
-                                      <p:cBhvr>
-                                        <p:cTn id="10" dur="1" fill="hold">
-                                          <p:stCondLst>
-                                            <p:cond delay="0"/>
-                                          </p:stCondLst>
-                                        </p:cTn>
-                                        <p:tgtEl>
-                                          <p:spTgt spid="3">
-                                            <p:txEl>
-                                              <p:pRg st="7" end="7"/>
-                                            </p:txEl>
-                                          </p:spTgt>
-                                        </p:tgtEl>
-                                        <p:attrNameLst>
-                                          <p:attrName>style.visibility</p:attrName>
-                                        </p:attrNameLst>
-                                      </p:cBhvr>
-                                      <p:to>
-                                        <p:strVal val="visible"/>
-                                      </p:to>
-                                    </p:set>
-                                  </p:childTnLst>
-                                </p:cTn>
-                              </p:par>
-                            </p:childTnLst>
-                          </p:cTn>
-                        </p:par>
-                      </p:childTnLst>
-                    </p:cTn>
-                  </p:par>
-                </p:childTnLst>
-              </p:cTn>
-              <p:prevCondLst>
-                <p:cond evt="onPrev" delay="0">
-                  <p:tgtEl>
-                    <p:sldTgt/>
-                  </p:tgtEl>
-                </p:cond>
-              </p:prevCondLst>
-              <p:nextCondLst>
-                <p:cond evt="onNext" delay="0">
-                  <p:tgtEl>
-                    <p:sldTgt/>
-                  </p:tgtEl>
-                </p:cond>
-              </p:nextCondLst>
-            </p:seq>
-          </p:childTnLst>
-        </p:cTn>
+        <p:cTn xmlns:p14="http://schemas.microsoft.com/office/powerpoint/2010/main" id="1" dur="indefinite" restart="never" nodeType="tmRoot"/>
       </p:par>
     </p:tnLst>
   </p:timing>
@@ -8146,252 +6973,7 @@
   <p:timing>
     <p:tnLst>
       <p:par>
-        <p:cTn xmlns:p14="http://schemas.microsoft.com/office/powerpoint/2010/main" id="1" dur="indefinite" restart="never" nodeType="tmRoot">
-          <p:childTnLst>
-            <p:seq concurrent="1" nextAc="seek">
-              <p:cTn id="2" dur="indefinite" nodeType="mainSeq">
-                <p:childTnLst>
-                  <p:par>
-                    <p:cTn id="3" fill="hold">
-                      <p:stCondLst>
-                        <p:cond delay="indefinite"/>
-                      </p:stCondLst>
-                      <p:childTnLst>
-                        <p:par>
-                          <p:cTn id="4" fill="hold">
-                            <p:stCondLst>
-                              <p:cond delay="0"/>
-                            </p:stCondLst>
-                            <p:childTnLst>
-                              <p:par>
-                                <p:cTn id="5" presetID="1" presetClass="entr" presetSubtype="0" fill="hold" nodeType="clickEffect">
-                                  <p:stCondLst>
-                                    <p:cond delay="0"/>
-                                  </p:stCondLst>
-                                  <p:childTnLst>
-                                    <p:set>
-                                      <p:cBhvr>
-                                        <p:cTn id="6" dur="1" fill="hold">
-                                          <p:stCondLst>
-                                            <p:cond delay="0"/>
-                                          </p:stCondLst>
-                                        </p:cTn>
-                                        <p:tgtEl>
-                                          <p:spTgt spid="3">
-                                            <p:txEl>
-                                              <p:pRg st="1" end="1"/>
-                                            </p:txEl>
-                                          </p:spTgt>
-                                        </p:tgtEl>
-                                        <p:attrNameLst>
-                                          <p:attrName>style.visibility</p:attrName>
-                                        </p:attrNameLst>
-                                      </p:cBhvr>
-                                      <p:to>
-                                        <p:strVal val="visible"/>
-                                      </p:to>
-                                    </p:set>
-                                  </p:childTnLst>
-                                </p:cTn>
-                              </p:par>
-                              <p:par>
-                                <p:cTn id="7" presetID="1" presetClass="entr" presetSubtype="0" fill="hold" nodeType="withEffect">
-                                  <p:stCondLst>
-                                    <p:cond delay="0"/>
-                                  </p:stCondLst>
-                                  <p:childTnLst>
-                                    <p:set>
-                                      <p:cBhvr>
-                                        <p:cTn id="8" dur="1" fill="hold">
-                                          <p:stCondLst>
-                                            <p:cond delay="0"/>
-                                          </p:stCondLst>
-                                        </p:cTn>
-                                        <p:tgtEl>
-                                          <p:spTgt spid="3">
-                                            <p:txEl>
-                                              <p:pRg st="2" end="2"/>
-                                            </p:txEl>
-                                          </p:spTgt>
-                                        </p:tgtEl>
-                                        <p:attrNameLst>
-                                          <p:attrName>style.visibility</p:attrName>
-                                        </p:attrNameLst>
-                                      </p:cBhvr>
-                                      <p:to>
-                                        <p:strVal val="visible"/>
-                                      </p:to>
-                                    </p:set>
-                                  </p:childTnLst>
-                                </p:cTn>
-                              </p:par>
-                              <p:par>
-                                <p:cTn id="9" presetID="1" presetClass="entr" presetSubtype="0" fill="hold" nodeType="withEffect">
-                                  <p:stCondLst>
-                                    <p:cond delay="0"/>
-                                  </p:stCondLst>
-                                  <p:childTnLst>
-                                    <p:set>
-                                      <p:cBhvr>
-                                        <p:cTn id="10" dur="1" fill="hold">
-                                          <p:stCondLst>
-                                            <p:cond delay="0"/>
-                                          </p:stCondLst>
-                                        </p:cTn>
-                                        <p:tgtEl>
-                                          <p:spTgt spid="3">
-                                            <p:txEl>
-                                              <p:pRg st="3" end="3"/>
-                                            </p:txEl>
-                                          </p:spTgt>
-                                        </p:tgtEl>
-                                        <p:attrNameLst>
-                                          <p:attrName>style.visibility</p:attrName>
-                                        </p:attrNameLst>
-                                      </p:cBhvr>
-                                      <p:to>
-                                        <p:strVal val="visible"/>
-                                      </p:to>
-                                    </p:set>
-                                  </p:childTnLst>
-                                </p:cTn>
-                              </p:par>
-                              <p:par>
-                                <p:cTn id="11" presetID="1" presetClass="entr" presetSubtype="0" fill="hold" nodeType="withEffect">
-                                  <p:stCondLst>
-                                    <p:cond delay="0"/>
-                                  </p:stCondLst>
-                                  <p:childTnLst>
-                                    <p:set>
-                                      <p:cBhvr>
-                                        <p:cTn id="12" dur="1" fill="hold">
-                                          <p:stCondLst>
-                                            <p:cond delay="0"/>
-                                          </p:stCondLst>
-                                        </p:cTn>
-                                        <p:tgtEl>
-                                          <p:spTgt spid="3">
-                                            <p:txEl>
-                                              <p:pRg st="4" end="4"/>
-                                            </p:txEl>
-                                          </p:spTgt>
-                                        </p:tgtEl>
-                                        <p:attrNameLst>
-                                          <p:attrName>style.visibility</p:attrName>
-                                        </p:attrNameLst>
-                                      </p:cBhvr>
-                                      <p:to>
-                                        <p:strVal val="visible"/>
-                                      </p:to>
-                                    </p:set>
-                                  </p:childTnLst>
-                                </p:cTn>
-                              </p:par>
-                              <p:par>
-                                <p:cTn id="13" presetID="1" presetClass="entr" presetSubtype="0" fill="hold" nodeType="withEffect">
-                                  <p:stCondLst>
-                                    <p:cond delay="0"/>
-                                  </p:stCondLst>
-                                  <p:childTnLst>
-                                    <p:set>
-                                      <p:cBhvr>
-                                        <p:cTn id="14" dur="1" fill="hold">
-                                          <p:stCondLst>
-                                            <p:cond delay="0"/>
-                                          </p:stCondLst>
-                                        </p:cTn>
-                                        <p:tgtEl>
-                                          <p:spTgt spid="3">
-                                            <p:txEl>
-                                              <p:pRg st="5" end="5"/>
-                                            </p:txEl>
-                                          </p:spTgt>
-                                        </p:tgtEl>
-                                        <p:attrNameLst>
-                                          <p:attrName>style.visibility</p:attrName>
-                                        </p:attrNameLst>
-                                      </p:cBhvr>
-                                      <p:to>
-                                        <p:strVal val="visible"/>
-                                      </p:to>
-                                    </p:set>
-                                  </p:childTnLst>
-                                </p:cTn>
-                              </p:par>
-                            </p:childTnLst>
-                          </p:cTn>
-                        </p:par>
-                      </p:childTnLst>
-                    </p:cTn>
-                  </p:par>
-                  <p:par>
-                    <p:cTn id="15" fill="hold">
-                      <p:stCondLst>
-                        <p:cond delay="indefinite"/>
-                      </p:stCondLst>
-                      <p:childTnLst>
-                        <p:par>
-                          <p:cTn id="16" fill="hold">
-                            <p:stCondLst>
-                              <p:cond delay="0"/>
-                            </p:stCondLst>
-                            <p:childTnLst>
-                              <p:par>
-                                <p:cTn id="17" presetID="1" presetClass="entr" presetSubtype="0" fill="hold" nodeType="clickEffect">
-                                  <p:stCondLst>
-                                    <p:cond delay="0"/>
-                                  </p:stCondLst>
-                                  <p:childTnLst>
-                                    <p:set>
-                                      <p:cBhvr>
-                                        <p:cTn id="18" dur="1" fill="hold">
-                                          <p:stCondLst>
-                                            <p:cond delay="0"/>
-                                          </p:stCondLst>
-                                        </p:cTn>
-                                        <p:tgtEl>
-                                          <p:spTgt spid="3">
-                                            <p:txEl>
-                                              <p:pRg st="6" end="6"/>
-                                            </p:txEl>
-                                          </p:spTgt>
-                                        </p:tgtEl>
-                                        <p:attrNameLst>
-                                          <p:attrName>style.visibility</p:attrName>
-                                        </p:attrNameLst>
-                                      </p:cBhvr>
-                                      <p:to>
-                                        <p:strVal val="visible"/>
-                                      </p:to>
-                                    </p:set>
-                                  </p:childTnLst>
-                                </p:cTn>
-                              </p:par>
-                            </p:childTnLst>
-                          </p:cTn>
-                        </p:par>
-                      </p:childTnLst>
-                    </p:cTn>
-                  </p:par>
-                </p:childTnLst>
-              </p:cTn>
-              <p:prevCondLst>
-                <p:cond evt="onPrev" delay="0">
-                  <p:tgtEl>
-                    <p:sldTgt/>
-                  </p:tgtEl>
-                </p:cond>
-              </p:prevCondLst>
-              <p:nextCondLst>
-                <p:cond evt="onNext" delay="0">
-                  <p:tgtEl>
-                    <p:sldTgt/>
-                  </p:tgtEl>
-                </p:cond>
-              </p:nextCondLst>
-            </p:seq>
-          </p:childTnLst>
-        </p:cTn>
+        <p:cTn xmlns:p14="http://schemas.microsoft.com/office/powerpoint/2010/main" id="1" dur="indefinite" restart="never" nodeType="tmRoot"/>
       </p:par>
     </p:tnLst>
   </p:timing>
@@ -8934,7 +7516,7 @@
           <a:p>
             <a:r>
               <a:rPr lang="en-US" dirty="0" smtClean="0"/>
-              <a:t>Index</a:t>
+              <a:t>Presenters</a:t>
             </a:r>
             <a:endParaRPr lang="en-US" dirty="0"/>
           </a:p>
@@ -8950,38 +7532,138 @@
             <p:ph idx="1"/>
           </p:nvPr>
         </p:nvSpPr>
-        <p:spPr/>
+        <p:spPr>
+          <a:xfrm>
+            <a:off x="457199" y="841248"/>
+            <a:ext cx="7985823" cy="3794760"/>
+          </a:xfrm>
+        </p:spPr>
         <p:txBody>
           <a:bodyPr/>
           <a:lstStyle/>
           <a:p>
             <a:r>
               <a:rPr lang="en-US" dirty="0" smtClean="0"/>
-              <a:t>Presentation</a:t>
-            </a:r>
-          </a:p>
-          <a:p>
-            <a:r>
-              <a:rPr lang="en-US" dirty="0" smtClean="0"/>
-              <a:t>The Toolbox</a:t>
-            </a:r>
-          </a:p>
-          <a:p>
-            <a:r>
-              <a:rPr lang="en-US" dirty="0" smtClean="0"/>
-              <a:t>Tools in Depth</a:t>
-            </a:r>
-          </a:p>
-          <a:p>
-            <a:r>
-              <a:rPr lang="en-US" dirty="0" smtClean="0"/>
-              <a:t>Running the example</a:t>
-            </a:r>
-          </a:p>
-          <a:p>
-            <a:r>
-              <a:rPr lang="en-US" dirty="0" smtClean="0"/>
-              <a:t>Summary</a:t>
+              <a:t>Ramon M. Gallart </a:t>
+            </a:r>
+            <a:r>
+              <a:rPr lang="en-US" sz="1800" dirty="0" smtClean="0"/>
+              <a:t>(</a:t>
+            </a:r>
+            <a:r>
+              <a:rPr lang="en-US" sz="1800" dirty="0" err="1" smtClean="0"/>
+              <a:t>ramon.gallart</a:t>
+            </a:r>
+            <a:r>
+              <a:rPr lang="en-US" sz="1800" dirty="0" err="1"/>
+              <a:t>@</a:t>
+            </a:r>
+            <a:r>
+              <a:rPr lang="en-US" sz="1800" dirty="0" err="1" smtClean="0"/>
+              <a:t>docusign.com</a:t>
+            </a:r>
+            <a:r>
+              <a:rPr lang="en-US" sz="1800" dirty="0" smtClean="0"/>
+              <a:t>)</a:t>
+            </a:r>
+            <a:endParaRPr lang="en-US" dirty="0" smtClean="0"/>
+          </a:p>
+          <a:p>
+            <a:pPr lvl="1"/>
+            <a:r>
+              <a:rPr lang="en-US" dirty="0" smtClean="0"/>
+              <a:t>Software Architect at </a:t>
+            </a:r>
+            <a:r>
+              <a:rPr lang="en-US" dirty="0" err="1" smtClean="0"/>
+              <a:t>DocuSign</a:t>
+            </a:r>
+            <a:r>
+              <a:rPr lang="en-US" dirty="0" smtClean="0"/>
+              <a:t> Inc.</a:t>
+            </a:r>
+          </a:p>
+          <a:p>
+            <a:pPr lvl="1"/>
+            <a:endParaRPr lang="en-US" dirty="0"/>
+          </a:p>
+          <a:p>
+            <a:r>
+              <a:rPr lang="en-US" dirty="0" smtClean="0"/>
+              <a:t>Greg Robbins </a:t>
+            </a:r>
+            <a:r>
+              <a:rPr lang="en-US" sz="1800" dirty="0" smtClean="0"/>
+              <a:t>(</a:t>
+            </a:r>
+            <a:r>
+              <a:rPr lang="en-US" sz="1800" dirty="0" err="1"/>
+              <a:t>g</a:t>
+            </a:r>
+            <a:r>
+              <a:rPr lang="en-US" sz="1800" dirty="0" err="1" smtClean="0"/>
+              <a:t>reg.robbins</a:t>
+            </a:r>
+            <a:r>
+              <a:rPr lang="en-US" sz="1800" dirty="0" err="1"/>
+              <a:t>@docusign.com</a:t>
+            </a:r>
+            <a:r>
+              <a:rPr lang="en-US" sz="1800" dirty="0"/>
+              <a:t>)</a:t>
+            </a:r>
+            <a:endParaRPr lang="en-US" dirty="0" smtClean="0"/>
+          </a:p>
+          <a:p>
+            <a:pPr lvl="1"/>
+            <a:r>
+              <a:rPr lang="en-US" dirty="0" smtClean="0"/>
+              <a:t>Director of Engineering, </a:t>
+            </a:r>
+            <a:r>
+              <a:rPr lang="en-US" dirty="0" err="1" smtClean="0"/>
+              <a:t>eCommerce</a:t>
+            </a:r>
+            <a:r>
+              <a:rPr lang="en-US" dirty="0" smtClean="0"/>
+              <a:t> at </a:t>
+            </a:r>
+            <a:r>
+              <a:rPr lang="en-US" dirty="0" err="1" smtClean="0"/>
+              <a:t>DocuSign</a:t>
+            </a:r>
+            <a:r>
+              <a:rPr lang="en-US" dirty="0" smtClean="0"/>
+              <a:t> Inc.</a:t>
+            </a:r>
+          </a:p>
+          <a:p>
+            <a:pPr lvl="1"/>
+            <a:endParaRPr lang="en-US" dirty="0"/>
+          </a:p>
+          <a:p>
+            <a:pPr indent="0">
+              <a:buNone/>
+            </a:pPr>
+            <a:r>
+              <a:rPr lang="en-US" dirty="0" smtClean="0"/>
+              <a:t>Looking for </a:t>
+            </a:r>
+            <a:r>
+              <a:rPr lang="en-US" dirty="0" err="1" smtClean="0"/>
+              <a:t>Django</a:t>
+            </a:r>
+            <a:r>
+              <a:rPr lang="en-US" dirty="0" smtClean="0"/>
+              <a:t> developers to join us at </a:t>
+            </a:r>
+            <a:r>
+              <a:rPr lang="en-US" dirty="0" err="1" smtClean="0"/>
+              <a:t>DocuSign</a:t>
+            </a:r>
+            <a:r>
+              <a:rPr lang="en-US" dirty="0" smtClean="0"/>
+              <a:t> in San Francisco!</a:t>
             </a:r>
             <a:endParaRPr lang="en-US" dirty="0"/>
           </a:p>
@@ -9014,420 +7696,7 @@
     </p:spTree>
     <p:extLst>
       <p:ext uri="{BB962C8B-B14F-4D97-AF65-F5344CB8AC3E}">
-        <p14:creationId xmlns:p14="http://schemas.microsoft.com/office/powerpoint/2010/main" val="2946535053"/>
-      </p:ext>
-    </p:extLst>
-  </p:cSld>
-  <p:clrMapOvr>
-    <a:masterClrMapping/>
-  </p:clrMapOvr>
-  <mc:AlternateContent xmlns:mc="http://schemas.openxmlformats.org/markup-compatibility/2006" xmlns:p14="http://schemas.microsoft.com/office/powerpoint/2010/main">
-    <mc:Choice Requires="p14">
-      <p:transition p14:dur="0"/>
-    </mc:Choice>
-    <mc:Fallback xmlns="">
-      <p:transition/>
-    </mc:Fallback>
-  </mc:AlternateContent>
-  <p:timing>
-    <p:tnLst>
-      <p:par>
-        <p:cTn xmlns:p14="http://schemas.microsoft.com/office/powerpoint/2010/main" id="1" dur="indefinite" restart="never" nodeType="tmRoot"/>
-      </p:par>
-    </p:tnLst>
-  </p:timing>
-</p:sld>
-</file>
-
-<file path=ppt/slides/slide20.xml><?xml version="1.0" encoding="utf-8"?>
-<p:sld xmlns:a="http://schemas.openxmlformats.org/drawingml/2006/main" xmlns:r="http://schemas.openxmlformats.org/officeDocument/2006/relationships" xmlns:p="http://schemas.openxmlformats.org/presentationml/2006/main">
-  <p:cSld>
-    <p:spTree>
-      <p:nvGrpSpPr>
-        <p:cNvPr id="1" name=""/>
-        <p:cNvGrpSpPr/>
-        <p:nvPr/>
-      </p:nvGrpSpPr>
-      <p:grpSpPr>
-        <a:xfrm>
-          <a:off x="0" y="0"/>
-          <a:ext cx="0" cy="0"/>
-          <a:chOff x="0" y="0"/>
-          <a:chExt cx="0" cy="0"/>
-        </a:xfrm>
-      </p:grpSpPr>
-      <p:sp>
-        <p:nvSpPr>
-          <p:cNvPr id="2" name="Title 1"/>
-          <p:cNvSpPr>
-            <a:spLocks noGrp="1"/>
-          </p:cNvSpPr>
-          <p:nvPr>
-            <p:ph type="title"/>
-          </p:nvPr>
-        </p:nvSpPr>
-        <p:spPr/>
-        <p:txBody>
-          <a:bodyPr/>
-          <a:lstStyle/>
-          <a:p>
-            <a:r>
-              <a:rPr lang="en-US" dirty="0" err="1" smtClean="0"/>
-              <a:t>Berkshelf</a:t>
-            </a:r>
-            <a:r>
-              <a:rPr lang="en-US" dirty="0" smtClean="0"/>
-              <a:t> and </a:t>
-            </a:r>
-            <a:r>
-              <a:rPr lang="en-US" dirty="0" err="1" smtClean="0"/>
-              <a:t>Berksfile</a:t>
-            </a:r>
-            <a:endParaRPr lang="en-US" dirty="0"/>
-          </a:p>
-        </p:txBody>
-      </p:sp>
-      <p:sp>
-        <p:nvSpPr>
-          <p:cNvPr id="3" name="Content Placeholder 2"/>
-          <p:cNvSpPr>
-            <a:spLocks noGrp="1"/>
-          </p:cNvSpPr>
-          <p:nvPr>
-            <p:ph idx="1"/>
-          </p:nvPr>
-        </p:nvSpPr>
-        <p:spPr/>
-        <p:txBody>
-          <a:bodyPr/>
-          <a:lstStyle/>
-          <a:p>
-            <a:pPr marL="342900" indent="-342900"/>
-            <a:r>
-              <a:rPr lang="en-US" dirty="0" err="1" smtClean="0">
-                <a:latin typeface="+mn-lt"/>
-                <a:cs typeface="Consolas"/>
-              </a:rPr>
-              <a:t>Berkshelf</a:t>
-            </a:r>
-            <a:r>
-              <a:rPr lang="en-US" dirty="0" smtClean="0">
-                <a:latin typeface="+mn-lt"/>
-                <a:cs typeface="Consolas"/>
-              </a:rPr>
-              <a:t> is a Dependency Manager. Some cookbooks need other cookbooks! Think pip, </a:t>
-            </a:r>
-            <a:r>
-              <a:rPr lang="en-US" dirty="0" err="1" smtClean="0">
-                <a:latin typeface="+mn-lt"/>
-                <a:cs typeface="Consolas"/>
-              </a:rPr>
-              <a:t>npm</a:t>
-            </a:r>
-            <a:r>
-              <a:rPr lang="en-US" dirty="0" smtClean="0">
-                <a:latin typeface="+mn-lt"/>
-                <a:cs typeface="Consolas"/>
-              </a:rPr>
-              <a:t>, composer, apt, yum</a:t>
-            </a:r>
-          </a:p>
-          <a:p>
-            <a:pPr marL="342900" indent="-342900"/>
-            <a:r>
-              <a:rPr lang="en-US" dirty="0" smtClean="0">
-                <a:latin typeface="+mn-lt"/>
-                <a:cs typeface="Consolas"/>
-              </a:rPr>
-              <a:t>A </a:t>
-            </a:r>
-            <a:r>
-              <a:rPr lang="en-US" i="1" dirty="0" err="1" smtClean="0">
-                <a:latin typeface="+mn-lt"/>
-                <a:cs typeface="Consolas"/>
-              </a:rPr>
-              <a:t>Berksfile</a:t>
-            </a:r>
-            <a:r>
-              <a:rPr lang="en-US" i="1" dirty="0" smtClean="0">
-                <a:latin typeface="+mn-lt"/>
-                <a:cs typeface="Consolas"/>
-              </a:rPr>
-              <a:t> </a:t>
-            </a:r>
-            <a:r>
-              <a:rPr lang="en-US" dirty="0" smtClean="0">
-                <a:latin typeface="+mn-lt"/>
-                <a:cs typeface="Consolas"/>
-              </a:rPr>
-              <a:t>just lists the different cookbooks we want to use, and where to get them.</a:t>
-            </a:r>
-          </a:p>
-          <a:p>
-            <a:pPr indent="0">
-              <a:buNone/>
-            </a:pPr>
-            <a:r>
-              <a:rPr lang="en-US" sz="1400" dirty="0">
-                <a:latin typeface="Consolas"/>
-                <a:cs typeface="Consolas"/>
-              </a:rPr>
-              <a:t>source "https://</a:t>
-            </a:r>
-            <a:r>
-              <a:rPr lang="en-US" sz="1400" dirty="0" err="1">
-                <a:latin typeface="Consolas"/>
-                <a:cs typeface="Consolas"/>
-              </a:rPr>
-              <a:t>supermarket.getchef.com</a:t>
-            </a:r>
-            <a:r>
-              <a:rPr lang="en-US" sz="1400" dirty="0" smtClean="0">
-                <a:latin typeface="Consolas"/>
-                <a:cs typeface="Consolas"/>
-              </a:rPr>
-              <a:t>/”</a:t>
-            </a:r>
-            <a:endParaRPr lang="en-US" sz="1400" dirty="0">
-              <a:latin typeface="Consolas"/>
-              <a:cs typeface="Consolas"/>
-            </a:endParaRPr>
-          </a:p>
-          <a:p>
-            <a:pPr indent="0">
-              <a:buNone/>
-            </a:pPr>
-            <a:r>
-              <a:rPr lang="en-US" sz="1400" dirty="0">
-                <a:latin typeface="Consolas"/>
-                <a:cs typeface="Consolas"/>
-              </a:rPr>
-              <a:t>cookbook 'apt', '~&gt; 2.5.2'</a:t>
-            </a:r>
-          </a:p>
-          <a:p>
-            <a:pPr indent="0">
-              <a:buNone/>
-            </a:pPr>
-            <a:r>
-              <a:rPr lang="en-US" sz="1400" dirty="0">
-                <a:latin typeface="Consolas"/>
-                <a:cs typeface="Consolas"/>
-              </a:rPr>
-              <a:t>cookbook '</a:t>
-            </a:r>
-            <a:r>
-              <a:rPr lang="en-US" sz="1400" dirty="0" err="1">
-                <a:latin typeface="Consolas"/>
-                <a:cs typeface="Consolas"/>
-              </a:rPr>
-              <a:t>git</a:t>
-            </a:r>
-            <a:r>
-              <a:rPr lang="en-US" sz="1400" dirty="0">
-                <a:latin typeface="Consolas"/>
-                <a:cs typeface="Consolas"/>
-              </a:rPr>
-              <a:t>', '~&gt; 4.0.2'</a:t>
-            </a:r>
-          </a:p>
-          <a:p>
-            <a:pPr indent="0">
-              <a:buNone/>
-            </a:pPr>
-            <a:r>
-              <a:rPr lang="en-US" sz="1400" dirty="0">
-                <a:latin typeface="Consolas"/>
-                <a:cs typeface="Consolas"/>
-              </a:rPr>
-              <a:t>cookbook 'vim', '~&gt; 1.1.2'</a:t>
-            </a:r>
-          </a:p>
-          <a:p>
-            <a:pPr indent="0">
-              <a:buNone/>
-            </a:pPr>
-            <a:r>
-              <a:rPr lang="en-US" sz="1400" dirty="0">
-                <a:latin typeface="Consolas"/>
-                <a:cs typeface="Consolas"/>
-              </a:rPr>
-              <a:t>cookbook '</a:t>
-            </a:r>
-            <a:r>
-              <a:rPr lang="en-US" sz="1400" dirty="0" err="1">
-                <a:latin typeface="Consolas"/>
-                <a:cs typeface="Consolas"/>
-              </a:rPr>
-              <a:t>nginx</a:t>
-            </a:r>
-            <a:r>
-              <a:rPr lang="en-US" sz="1400" dirty="0">
-                <a:latin typeface="Consolas"/>
-                <a:cs typeface="Consolas"/>
-              </a:rPr>
-              <a:t>', '~&gt; 2.7.4'</a:t>
-            </a:r>
-          </a:p>
-          <a:p>
-            <a:pPr indent="0">
-              <a:buNone/>
-            </a:pPr>
-            <a:r>
-              <a:rPr lang="en-US" sz="1400" dirty="0">
-                <a:latin typeface="Consolas"/>
-                <a:cs typeface="Consolas"/>
-              </a:rPr>
-              <a:t>cookbook "</a:t>
-            </a:r>
-            <a:r>
-              <a:rPr lang="en-US" sz="1400" dirty="0" err="1">
-                <a:latin typeface="Consolas"/>
-                <a:cs typeface="Consolas"/>
-              </a:rPr>
-              <a:t>postgresql</a:t>
-            </a:r>
-            <a:r>
-              <a:rPr lang="en-US" sz="1400" dirty="0">
-                <a:latin typeface="Consolas"/>
-                <a:cs typeface="Consolas"/>
-              </a:rPr>
-              <a:t>", </a:t>
-            </a:r>
-            <a:r>
-              <a:rPr lang="en-US" sz="1400" dirty="0" err="1">
-                <a:latin typeface="Consolas"/>
-                <a:cs typeface="Consolas"/>
-              </a:rPr>
-              <a:t>git</a:t>
-            </a:r>
-            <a:r>
-              <a:rPr lang="en-US" sz="1400" dirty="0">
-                <a:latin typeface="Consolas"/>
-                <a:cs typeface="Consolas"/>
-              </a:rPr>
-              <a:t>: 'https://</a:t>
-            </a:r>
-            <a:r>
-              <a:rPr lang="en-US" sz="1400" dirty="0" err="1">
-                <a:latin typeface="Consolas"/>
-                <a:cs typeface="Consolas"/>
-              </a:rPr>
-              <a:t>github.com</a:t>
-            </a:r>
-            <a:r>
-              <a:rPr lang="en-US" sz="1400" dirty="0">
-                <a:latin typeface="Consolas"/>
-                <a:cs typeface="Consolas"/>
-              </a:rPr>
-              <a:t>/</a:t>
-            </a:r>
-            <a:r>
-              <a:rPr lang="en-US" sz="1400" dirty="0" err="1">
-                <a:latin typeface="Consolas"/>
-                <a:cs typeface="Consolas"/>
-              </a:rPr>
-              <a:t>phlipper</a:t>
-            </a:r>
-            <a:r>
-              <a:rPr lang="en-US" sz="1400" dirty="0">
-                <a:latin typeface="Consolas"/>
-                <a:cs typeface="Consolas"/>
-              </a:rPr>
-              <a:t>/chef-</a:t>
-            </a:r>
-            <a:r>
-              <a:rPr lang="en-US" sz="1400" dirty="0" err="1">
-                <a:latin typeface="Consolas"/>
-                <a:cs typeface="Consolas"/>
-              </a:rPr>
-              <a:t>postgresql.git</a:t>
-            </a:r>
-            <a:r>
-              <a:rPr lang="en-US" sz="1400" dirty="0">
-                <a:latin typeface="Consolas"/>
-                <a:cs typeface="Consolas"/>
-              </a:rPr>
-              <a:t>'</a:t>
-            </a:r>
-          </a:p>
-          <a:p>
-            <a:pPr indent="0">
-              <a:buNone/>
-            </a:pPr>
-            <a:r>
-              <a:rPr lang="en-US" sz="1400" dirty="0">
-                <a:latin typeface="Consolas"/>
-                <a:cs typeface="Consolas"/>
-              </a:rPr>
-              <a:t>cookbook 'python', '~&gt; 1.4.6'</a:t>
-            </a:r>
-          </a:p>
-          <a:p>
-            <a:pPr indent="0">
-              <a:buNone/>
-            </a:pPr>
-            <a:r>
-              <a:rPr lang="en-US" sz="1400" dirty="0">
-                <a:latin typeface="Consolas"/>
-                <a:cs typeface="Consolas"/>
-              </a:rPr>
-              <a:t>cookbook 'supervisor', '~&gt; </a:t>
-            </a:r>
-            <a:r>
-              <a:rPr lang="en-US" sz="1400" dirty="0" smtClean="0">
-                <a:latin typeface="Consolas"/>
-                <a:cs typeface="Consolas"/>
-              </a:rPr>
-              <a:t>0.4.12’</a:t>
-            </a:r>
-            <a:endParaRPr lang="en-US" sz="1400" dirty="0">
-              <a:latin typeface="Consolas"/>
-              <a:cs typeface="Consolas"/>
-            </a:endParaRPr>
-          </a:p>
-          <a:p>
-            <a:pPr indent="0">
-              <a:buNone/>
-            </a:pPr>
-            <a:r>
-              <a:rPr lang="en-US" sz="1400" dirty="0">
-                <a:latin typeface="Consolas"/>
-                <a:cs typeface="Consolas"/>
-              </a:rPr>
-              <a:t>cookbook 'poll-app', path: "./site-cookbooks/poll-app"</a:t>
-            </a:r>
-          </a:p>
-        </p:txBody>
-      </p:sp>
-      <p:sp>
-        <p:nvSpPr>
-          <p:cNvPr id="4" name="Slide Number Placeholder 3"/>
-          <p:cNvSpPr>
-            <a:spLocks noGrp="1"/>
-          </p:cNvSpPr>
-          <p:nvPr>
-            <p:ph type="sldNum" sz="quarter" idx="12"/>
-          </p:nvPr>
-        </p:nvSpPr>
-        <p:spPr/>
-        <p:txBody>
-          <a:bodyPr/>
-          <a:lstStyle/>
-          <a:p>
-            <a:fld id="{9EDF1969-CA96-9B4E-8473-83ECBB607F4B}" type="slidenum">
-              <a:rPr lang="en-US" smtClean="0"/>
-              <a:pPr/>
-              <a:t>20</a:t>
-            </a:fld>
-            <a:endParaRPr lang="en-US" dirty="0"/>
-          </a:p>
-        </p:txBody>
-      </p:sp>
-    </p:spTree>
-    <p:extLst>
-      <p:ext uri="{BB962C8B-B14F-4D97-AF65-F5344CB8AC3E}">
-        <p14:creationId xmlns:p14="http://schemas.microsoft.com/office/powerpoint/2010/main" val="1729745888"/>
+        <p14:creationId xmlns:p14="http://schemas.microsoft.com/office/powerpoint/2010/main" val="4237296743"/>
       </p:ext>
     </p:extLst>
   </p:cSld>
@@ -9478,7 +7747,7 @@
                                         <p:tgtEl>
                                           <p:spTgt spid="3">
                                             <p:txEl>
-                                              <p:pRg st="1" end="1"/>
+                                              <p:pRg st="3" end="3"/>
                                             </p:txEl>
                                           </p:spTgt>
                                         </p:tgtEl>
@@ -9509,68 +7778,6 @@
                                         <p:tgtEl>
                                           <p:spTgt spid="3">
                                             <p:txEl>
-                                              <p:pRg st="2" end="2"/>
-                                            </p:txEl>
-                                          </p:spTgt>
-                                        </p:tgtEl>
-                                        <p:attrNameLst>
-                                          <p:attrName>style.visibility</p:attrName>
-                                        </p:attrNameLst>
-                                      </p:cBhvr>
-                                      <p:to>
-                                        <p:strVal val="visible"/>
-                                      </p:to>
-                                    </p:set>
-                                  </p:childTnLst>
-                                </p:cTn>
-                              </p:par>
-                              <p:par>
-                                <p:cTn id="9" presetID="1" presetClass="entr" presetSubtype="0" fill="hold" nodeType="withEffect">
-                                  <p:stCondLst>
-                                    <p:cond delay="0"/>
-                                  </p:stCondLst>
-                                  <p:childTnLst>
-                                    <p:set>
-                                      <p:cBhvr>
-                                        <p:cTn id="10" dur="1" fill="hold">
-                                          <p:stCondLst>
-                                            <p:cond delay="0"/>
-                                          </p:stCondLst>
-                                        </p:cTn>
-                                        <p:tgtEl>
-                                          <p:spTgt spid="3">
-                                            <p:txEl>
-                                              <p:pRg st="3" end="3"/>
-                                            </p:txEl>
-                                          </p:spTgt>
-                                        </p:tgtEl>
-                                        <p:attrNameLst>
-                                          <p:attrName>style.visibility</p:attrName>
-                                        </p:attrNameLst>
-                                      </p:cBhvr>
-                                      <p:to>
-                                        <p:strVal val="visible"/>
-                                      </p:to>
-                                    </p:set>
-                                  </p:childTnLst>
-                                </p:cTn>
-                              </p:par>
-                              <p:par>
-                                <p:cTn id="11" presetID="1" presetClass="entr" presetSubtype="0" fill="hold" nodeType="withEffect">
-                                  <p:stCondLst>
-                                    <p:cond delay="0"/>
-                                  </p:stCondLst>
-                                  <p:childTnLst>
-                                    <p:set>
-                                      <p:cBhvr>
-                                        <p:cTn id="12" dur="1" fill="hold">
-                                          <p:stCondLst>
-                                            <p:cond delay="0"/>
-                                          </p:stCondLst>
-                                        </p:cTn>
-                                        <p:tgtEl>
-                                          <p:spTgt spid="3">
-                                            <p:txEl>
                                               <p:pRg st="4" end="4"/>
                                             </p:txEl>
                                           </p:spTgt>
@@ -9586,46 +7793,33 @@
                                   </p:childTnLst>
                                 </p:cTn>
                               </p:par>
+                            </p:childTnLst>
+                          </p:cTn>
+                        </p:par>
+                      </p:childTnLst>
+                    </p:cTn>
+                  </p:par>
+                  <p:par>
+                    <p:cTn id="9" fill="hold">
+                      <p:stCondLst>
+                        <p:cond delay="indefinite"/>
+                      </p:stCondLst>
+                      <p:childTnLst>
+                        <p:par>
+                          <p:cTn id="10" fill="hold">
+                            <p:stCondLst>
+                              <p:cond delay="0"/>
+                            </p:stCondLst>
+                            <p:childTnLst>
                               <p:par>
-                                <p:cTn id="13" presetID="1" presetClass="entr" presetSubtype="0" fill="hold" nodeType="withEffect">
+                                <p:cTn id="11" presetID="1" presetClass="entr" presetSubtype="0" fill="hold" nodeType="clickEffect">
                                   <p:stCondLst>
                                     <p:cond delay="0"/>
                                   </p:stCondLst>
                                   <p:childTnLst>
                                     <p:set>
                                       <p:cBhvr>
-                                        <p:cTn id="14" dur="1" fill="hold">
-                                          <p:stCondLst>
-                                            <p:cond delay="0"/>
-                                          </p:stCondLst>
-                                        </p:cTn>
-                                        <p:tgtEl>
-                                          <p:spTgt spid="3">
-                                            <p:txEl>
-                                              <p:pRg st="5" end="5"/>
-                                            </p:txEl>
-                                          </p:spTgt>
-                                        </p:tgtEl>
-                                        <p:attrNameLst>
-                                          <p:attrName>style.visibility</p:attrName>
-                                        </p:attrNameLst>
-                                      </p:cBhvr>
-                                      <p:to>
-                                        <p:strVal val="visible"/>
-                                      </p:to>
-                                    </p:set>
-                                  </p:childTnLst>
-                                </p:cTn>
-                              </p:par>
-                              <p:par>
-                                <p:cTn id="15" presetID="1" presetClass="entr" presetSubtype="0" fill="hold" nodeType="withEffect">
-                                  <p:stCondLst>
-                                    <p:cond delay="0"/>
-                                  </p:stCondLst>
-                                  <p:childTnLst>
-                                    <p:set>
-                                      <p:cBhvr>
-                                        <p:cTn id="16" dur="1" fill="hold">
+                                        <p:cTn id="12" dur="1" fill="hold">
                                           <p:stCondLst>
                                             <p:cond delay="0"/>
                                           </p:stCondLst>
@@ -9634,130 +7828,6 @@
                                           <p:spTgt spid="3">
                                             <p:txEl>
                                               <p:pRg st="6" end="6"/>
-                                            </p:txEl>
-                                          </p:spTgt>
-                                        </p:tgtEl>
-                                        <p:attrNameLst>
-                                          <p:attrName>style.visibility</p:attrName>
-                                        </p:attrNameLst>
-                                      </p:cBhvr>
-                                      <p:to>
-                                        <p:strVal val="visible"/>
-                                      </p:to>
-                                    </p:set>
-                                  </p:childTnLst>
-                                </p:cTn>
-                              </p:par>
-                              <p:par>
-                                <p:cTn id="17" presetID="1" presetClass="entr" presetSubtype="0" fill="hold" nodeType="withEffect">
-                                  <p:stCondLst>
-                                    <p:cond delay="0"/>
-                                  </p:stCondLst>
-                                  <p:childTnLst>
-                                    <p:set>
-                                      <p:cBhvr>
-                                        <p:cTn id="18" dur="1" fill="hold">
-                                          <p:stCondLst>
-                                            <p:cond delay="0"/>
-                                          </p:stCondLst>
-                                        </p:cTn>
-                                        <p:tgtEl>
-                                          <p:spTgt spid="3">
-                                            <p:txEl>
-                                              <p:pRg st="7" end="7"/>
-                                            </p:txEl>
-                                          </p:spTgt>
-                                        </p:tgtEl>
-                                        <p:attrNameLst>
-                                          <p:attrName>style.visibility</p:attrName>
-                                        </p:attrNameLst>
-                                      </p:cBhvr>
-                                      <p:to>
-                                        <p:strVal val="visible"/>
-                                      </p:to>
-                                    </p:set>
-                                  </p:childTnLst>
-                                </p:cTn>
-                              </p:par>
-                              <p:par>
-                                <p:cTn id="19" presetID="1" presetClass="entr" presetSubtype="0" fill="hold" nodeType="withEffect">
-                                  <p:stCondLst>
-                                    <p:cond delay="0"/>
-                                  </p:stCondLst>
-                                  <p:childTnLst>
-                                    <p:set>
-                                      <p:cBhvr>
-                                        <p:cTn id="20" dur="1" fill="hold">
-                                          <p:stCondLst>
-                                            <p:cond delay="0"/>
-                                          </p:stCondLst>
-                                        </p:cTn>
-                                        <p:tgtEl>
-                                          <p:spTgt spid="3">
-                                            <p:txEl>
-                                              <p:pRg st="8" end="8"/>
-                                            </p:txEl>
-                                          </p:spTgt>
-                                        </p:tgtEl>
-                                        <p:attrNameLst>
-                                          <p:attrName>style.visibility</p:attrName>
-                                        </p:attrNameLst>
-                                      </p:cBhvr>
-                                      <p:to>
-                                        <p:strVal val="visible"/>
-                                      </p:to>
-                                    </p:set>
-                                  </p:childTnLst>
-                                </p:cTn>
-                              </p:par>
-                              <p:par>
-                                <p:cTn id="21" presetID="1" presetClass="entr" presetSubtype="0" fill="hold" nodeType="withEffect">
-                                  <p:stCondLst>
-                                    <p:cond delay="0"/>
-                                  </p:stCondLst>
-                                  <p:childTnLst>
-                                    <p:set>
-                                      <p:cBhvr>
-                                        <p:cTn id="22" dur="1" fill="hold">
-                                          <p:stCondLst>
-                                            <p:cond delay="0"/>
-                                          </p:stCondLst>
-                                        </p:cTn>
-                                        <p:tgtEl>
-                                          <p:spTgt spid="3">
-                                            <p:txEl>
-                                              <p:pRg st="9" end="9"/>
-                                            </p:txEl>
-                                          </p:spTgt>
-                                        </p:tgtEl>
-                                        <p:attrNameLst>
-                                          <p:attrName>style.visibility</p:attrName>
-                                        </p:attrNameLst>
-                                      </p:cBhvr>
-                                      <p:to>
-                                        <p:strVal val="visible"/>
-                                      </p:to>
-                                    </p:set>
-                                  </p:childTnLst>
-                                </p:cTn>
-                              </p:par>
-                              <p:par>
-                                <p:cTn id="23" presetID="1" presetClass="entr" presetSubtype="0" fill="hold" nodeType="withEffect">
-                                  <p:stCondLst>
-                                    <p:cond delay="0"/>
-                                  </p:stCondLst>
-                                  <p:childTnLst>
-                                    <p:set>
-                                      <p:cBhvr>
-                                        <p:cTn id="24" dur="1" fill="hold">
-                                          <p:stCondLst>
-                                            <p:cond delay="0"/>
-                                          </p:stCondLst>
-                                        </p:cTn>
-                                        <p:tgtEl>
-                                          <p:spTgt spid="3">
-                                            <p:txEl>
-                                              <p:pRg st="10" end="10"/>
                                             </p:txEl>
                                           </p:spTgt>
                                         </p:tgtEl>
@@ -9797,6 +7867,419 @@
             </p:seq>
           </p:childTnLst>
         </p:cTn>
+      </p:par>
+    </p:tnLst>
+  </p:timing>
+</p:sld>
+</file>
+
+<file path=ppt/slides/slide20.xml><?xml version="1.0" encoding="utf-8"?>
+<p:sld xmlns:a="http://schemas.openxmlformats.org/drawingml/2006/main" xmlns:r="http://schemas.openxmlformats.org/officeDocument/2006/relationships" xmlns:p="http://schemas.openxmlformats.org/presentationml/2006/main">
+  <p:cSld>
+    <p:spTree>
+      <p:nvGrpSpPr>
+        <p:cNvPr id="1" name=""/>
+        <p:cNvGrpSpPr/>
+        <p:nvPr/>
+      </p:nvGrpSpPr>
+      <p:grpSpPr>
+        <a:xfrm>
+          <a:off x="0" y="0"/>
+          <a:ext cx="0" cy="0"/>
+          <a:chOff x="0" y="0"/>
+          <a:chExt cx="0" cy="0"/>
+        </a:xfrm>
+      </p:grpSpPr>
+      <p:sp>
+        <p:nvSpPr>
+          <p:cNvPr id="2" name="Title 1"/>
+          <p:cNvSpPr>
+            <a:spLocks noGrp="1"/>
+          </p:cNvSpPr>
+          <p:nvPr>
+            <p:ph type="title"/>
+          </p:nvPr>
+        </p:nvSpPr>
+        <p:spPr/>
+        <p:txBody>
+          <a:bodyPr/>
+          <a:lstStyle/>
+          <a:p>
+            <a:r>
+              <a:rPr lang="en-US" dirty="0" err="1" smtClean="0"/>
+              <a:t>Berkshelf</a:t>
+            </a:r>
+            <a:r>
+              <a:rPr lang="en-US" dirty="0" smtClean="0"/>
+              <a:t> and </a:t>
+            </a:r>
+            <a:r>
+              <a:rPr lang="en-US" dirty="0" err="1" smtClean="0"/>
+              <a:t>Berksfile</a:t>
+            </a:r>
+            <a:endParaRPr lang="en-US" dirty="0"/>
+          </a:p>
+        </p:txBody>
+      </p:sp>
+      <p:sp>
+        <p:nvSpPr>
+          <p:cNvPr id="3" name="Content Placeholder 2"/>
+          <p:cNvSpPr>
+            <a:spLocks noGrp="1"/>
+          </p:cNvSpPr>
+          <p:nvPr>
+            <p:ph idx="1"/>
+          </p:nvPr>
+        </p:nvSpPr>
+        <p:spPr/>
+        <p:txBody>
+          <a:bodyPr/>
+          <a:lstStyle/>
+          <a:p>
+            <a:pPr marL="342900" indent="-342900"/>
+            <a:r>
+              <a:rPr lang="en-US" dirty="0" err="1" smtClean="0">
+                <a:latin typeface="+mn-lt"/>
+                <a:cs typeface="Consolas"/>
+              </a:rPr>
+              <a:t>Berkshelf</a:t>
+            </a:r>
+            <a:r>
+              <a:rPr lang="en-US" dirty="0" smtClean="0">
+                <a:latin typeface="+mn-lt"/>
+                <a:cs typeface="Consolas"/>
+              </a:rPr>
+              <a:t> is a Dependency Manager. Some cookbooks need other cookbooks! Think pip, </a:t>
+            </a:r>
+            <a:r>
+              <a:rPr lang="en-US" dirty="0" err="1" smtClean="0">
+                <a:latin typeface="+mn-lt"/>
+                <a:cs typeface="Consolas"/>
+              </a:rPr>
+              <a:t>npm</a:t>
+            </a:r>
+            <a:r>
+              <a:rPr lang="en-US" dirty="0" smtClean="0">
+                <a:latin typeface="+mn-lt"/>
+                <a:cs typeface="Consolas"/>
+              </a:rPr>
+              <a:t>, composer, apt, yum</a:t>
+            </a:r>
+          </a:p>
+          <a:p>
+            <a:pPr marL="342900" indent="-342900"/>
+            <a:r>
+              <a:rPr lang="en-US" dirty="0" smtClean="0">
+                <a:latin typeface="+mn-lt"/>
+                <a:cs typeface="Consolas"/>
+              </a:rPr>
+              <a:t>A </a:t>
+            </a:r>
+            <a:r>
+              <a:rPr lang="en-US" i="1" dirty="0" err="1" smtClean="0">
+                <a:latin typeface="+mn-lt"/>
+                <a:cs typeface="Consolas"/>
+              </a:rPr>
+              <a:t>Berksfile</a:t>
+            </a:r>
+            <a:r>
+              <a:rPr lang="en-US" i="1" dirty="0" smtClean="0">
+                <a:latin typeface="+mn-lt"/>
+                <a:cs typeface="Consolas"/>
+              </a:rPr>
+              <a:t> </a:t>
+            </a:r>
+            <a:r>
+              <a:rPr lang="en-US" dirty="0" smtClean="0">
+                <a:latin typeface="+mn-lt"/>
+                <a:cs typeface="Consolas"/>
+              </a:rPr>
+              <a:t>just lists the different cookbooks we want to use, and where to get them.</a:t>
+            </a:r>
+          </a:p>
+          <a:p>
+            <a:pPr indent="0">
+              <a:buNone/>
+            </a:pPr>
+            <a:r>
+              <a:rPr lang="en-US" sz="1400" dirty="0">
+                <a:latin typeface="Consolas"/>
+                <a:cs typeface="Consolas"/>
+              </a:rPr>
+              <a:t>source "https://</a:t>
+            </a:r>
+            <a:r>
+              <a:rPr lang="en-US" sz="1400" dirty="0" err="1">
+                <a:latin typeface="Consolas"/>
+                <a:cs typeface="Consolas"/>
+              </a:rPr>
+              <a:t>supermarket.getchef.com</a:t>
+            </a:r>
+            <a:r>
+              <a:rPr lang="en-US" sz="1400" dirty="0" smtClean="0">
+                <a:latin typeface="Consolas"/>
+                <a:cs typeface="Consolas"/>
+              </a:rPr>
+              <a:t>/”</a:t>
+            </a:r>
+            <a:endParaRPr lang="en-US" sz="1400" dirty="0">
+              <a:latin typeface="Consolas"/>
+              <a:cs typeface="Consolas"/>
+            </a:endParaRPr>
+          </a:p>
+          <a:p>
+            <a:pPr indent="0">
+              <a:buNone/>
+            </a:pPr>
+            <a:r>
+              <a:rPr lang="en-US" sz="1400" dirty="0">
+                <a:latin typeface="Consolas"/>
+                <a:cs typeface="Consolas"/>
+              </a:rPr>
+              <a:t>cookbook 'apt', '~&gt; 2.5.2'</a:t>
+            </a:r>
+          </a:p>
+          <a:p>
+            <a:pPr indent="0">
+              <a:buNone/>
+            </a:pPr>
+            <a:r>
+              <a:rPr lang="en-US" sz="1400" dirty="0">
+                <a:latin typeface="Consolas"/>
+                <a:cs typeface="Consolas"/>
+              </a:rPr>
+              <a:t>cookbook '</a:t>
+            </a:r>
+            <a:r>
+              <a:rPr lang="en-US" sz="1400" dirty="0" err="1">
+                <a:latin typeface="Consolas"/>
+                <a:cs typeface="Consolas"/>
+              </a:rPr>
+              <a:t>git</a:t>
+            </a:r>
+            <a:r>
+              <a:rPr lang="en-US" sz="1400" dirty="0">
+                <a:latin typeface="Consolas"/>
+                <a:cs typeface="Consolas"/>
+              </a:rPr>
+              <a:t>', '~&gt; 4.0.2'</a:t>
+            </a:r>
+          </a:p>
+          <a:p>
+            <a:pPr indent="0">
+              <a:buNone/>
+            </a:pPr>
+            <a:r>
+              <a:rPr lang="en-US" sz="1400" dirty="0">
+                <a:latin typeface="Consolas"/>
+                <a:cs typeface="Consolas"/>
+              </a:rPr>
+              <a:t>cookbook 'vim', '~&gt; 1.1.2'</a:t>
+            </a:r>
+          </a:p>
+          <a:p>
+            <a:pPr indent="0">
+              <a:buNone/>
+            </a:pPr>
+            <a:r>
+              <a:rPr lang="en-US" sz="1400" dirty="0">
+                <a:latin typeface="Consolas"/>
+                <a:cs typeface="Consolas"/>
+              </a:rPr>
+              <a:t>cookbook '</a:t>
+            </a:r>
+            <a:r>
+              <a:rPr lang="en-US" sz="1400" dirty="0" err="1">
+                <a:latin typeface="Consolas"/>
+                <a:cs typeface="Consolas"/>
+              </a:rPr>
+              <a:t>nginx</a:t>
+            </a:r>
+            <a:r>
+              <a:rPr lang="en-US" sz="1400" dirty="0">
+                <a:latin typeface="Consolas"/>
+                <a:cs typeface="Consolas"/>
+              </a:rPr>
+              <a:t>', '~&gt; 2.7.4'</a:t>
+            </a:r>
+          </a:p>
+          <a:p>
+            <a:pPr indent="0">
+              <a:buNone/>
+            </a:pPr>
+            <a:r>
+              <a:rPr lang="en-US" sz="1400" dirty="0">
+                <a:latin typeface="Consolas"/>
+                <a:cs typeface="Consolas"/>
+              </a:rPr>
+              <a:t>cookbook "</a:t>
+            </a:r>
+            <a:r>
+              <a:rPr lang="en-US" sz="1400" dirty="0" err="1">
+                <a:latin typeface="Consolas"/>
+                <a:cs typeface="Consolas"/>
+              </a:rPr>
+              <a:t>postgresql</a:t>
+            </a:r>
+            <a:r>
+              <a:rPr lang="en-US" sz="1400" dirty="0">
+                <a:latin typeface="Consolas"/>
+                <a:cs typeface="Consolas"/>
+              </a:rPr>
+              <a:t>", </a:t>
+            </a:r>
+            <a:r>
+              <a:rPr lang="en-US" sz="1400" dirty="0" err="1">
+                <a:latin typeface="Consolas"/>
+                <a:cs typeface="Consolas"/>
+              </a:rPr>
+              <a:t>git</a:t>
+            </a:r>
+            <a:r>
+              <a:rPr lang="en-US" sz="1400" dirty="0">
+                <a:latin typeface="Consolas"/>
+                <a:cs typeface="Consolas"/>
+              </a:rPr>
+              <a:t>: 'https://</a:t>
+            </a:r>
+            <a:r>
+              <a:rPr lang="en-US" sz="1400" dirty="0" err="1">
+                <a:latin typeface="Consolas"/>
+                <a:cs typeface="Consolas"/>
+              </a:rPr>
+              <a:t>github.com</a:t>
+            </a:r>
+            <a:r>
+              <a:rPr lang="en-US" sz="1400" dirty="0">
+                <a:latin typeface="Consolas"/>
+                <a:cs typeface="Consolas"/>
+              </a:rPr>
+              <a:t>/</a:t>
+            </a:r>
+            <a:r>
+              <a:rPr lang="en-US" sz="1400" dirty="0" err="1">
+                <a:latin typeface="Consolas"/>
+                <a:cs typeface="Consolas"/>
+              </a:rPr>
+              <a:t>phlipper</a:t>
+            </a:r>
+            <a:r>
+              <a:rPr lang="en-US" sz="1400" dirty="0">
+                <a:latin typeface="Consolas"/>
+                <a:cs typeface="Consolas"/>
+              </a:rPr>
+              <a:t>/chef-</a:t>
+            </a:r>
+            <a:r>
+              <a:rPr lang="en-US" sz="1400" dirty="0" err="1">
+                <a:latin typeface="Consolas"/>
+                <a:cs typeface="Consolas"/>
+              </a:rPr>
+              <a:t>postgresql.git</a:t>
+            </a:r>
+            <a:r>
+              <a:rPr lang="en-US" sz="1400" dirty="0">
+                <a:latin typeface="Consolas"/>
+                <a:cs typeface="Consolas"/>
+              </a:rPr>
+              <a:t>'</a:t>
+            </a:r>
+          </a:p>
+          <a:p>
+            <a:pPr indent="0">
+              <a:buNone/>
+            </a:pPr>
+            <a:r>
+              <a:rPr lang="en-US" sz="1400" dirty="0">
+                <a:latin typeface="Consolas"/>
+                <a:cs typeface="Consolas"/>
+              </a:rPr>
+              <a:t>cookbook 'python', '~&gt; 1.4.6'</a:t>
+            </a:r>
+          </a:p>
+          <a:p>
+            <a:pPr indent="0">
+              <a:buNone/>
+            </a:pPr>
+            <a:r>
+              <a:rPr lang="en-US" sz="1400" dirty="0">
+                <a:latin typeface="Consolas"/>
+                <a:cs typeface="Consolas"/>
+              </a:rPr>
+              <a:t>cookbook 'supervisor', '~&gt; </a:t>
+            </a:r>
+            <a:r>
+              <a:rPr lang="en-US" sz="1400" dirty="0" smtClean="0">
+                <a:latin typeface="Consolas"/>
+                <a:cs typeface="Consolas"/>
+              </a:rPr>
+              <a:t>0.4.12’</a:t>
+            </a:r>
+            <a:endParaRPr lang="en-US" sz="1400" dirty="0">
+              <a:latin typeface="Consolas"/>
+              <a:cs typeface="Consolas"/>
+            </a:endParaRPr>
+          </a:p>
+          <a:p>
+            <a:pPr indent="0">
+              <a:buNone/>
+            </a:pPr>
+            <a:r>
+              <a:rPr lang="en-US" sz="1400" dirty="0">
+                <a:latin typeface="Consolas"/>
+                <a:cs typeface="Consolas"/>
+              </a:rPr>
+              <a:t>cookbook 'poll-app', path: "./site-cookbooks/poll-app"</a:t>
+            </a:r>
+          </a:p>
+        </p:txBody>
+      </p:sp>
+      <p:sp>
+        <p:nvSpPr>
+          <p:cNvPr id="4" name="Slide Number Placeholder 3"/>
+          <p:cNvSpPr>
+            <a:spLocks noGrp="1"/>
+          </p:cNvSpPr>
+          <p:nvPr>
+            <p:ph type="sldNum" sz="quarter" idx="12"/>
+          </p:nvPr>
+        </p:nvSpPr>
+        <p:spPr/>
+        <p:txBody>
+          <a:bodyPr/>
+          <a:lstStyle/>
+          <a:p>
+            <a:fld id="{9EDF1969-CA96-9B4E-8473-83ECBB607F4B}" type="slidenum">
+              <a:rPr lang="en-US" smtClean="0"/>
+              <a:pPr/>
+              <a:t>20</a:t>
+            </a:fld>
+            <a:endParaRPr lang="en-US" dirty="0"/>
+          </a:p>
+        </p:txBody>
+      </p:sp>
+    </p:spTree>
+    <p:extLst>
+      <p:ext uri="{BB962C8B-B14F-4D97-AF65-F5344CB8AC3E}">
+        <p14:creationId xmlns:p14="http://schemas.microsoft.com/office/powerpoint/2010/main" val="1729745888"/>
+      </p:ext>
+    </p:extLst>
+  </p:cSld>
+  <p:clrMapOvr>
+    <a:masterClrMapping/>
+  </p:clrMapOvr>
+  <mc:AlternateContent xmlns:mc="http://schemas.openxmlformats.org/markup-compatibility/2006" xmlns:p14="http://schemas.microsoft.com/office/powerpoint/2010/main">
+    <mc:Choice Requires="p14">
+      <p:transition p14:dur="0"/>
+    </mc:Choice>
+    <mc:Fallback xmlns="">
+      <p:transition/>
+    </mc:Fallback>
+  </mc:AlternateContent>
+  <p:timing>
+    <p:tnLst>
+      <p:par>
+        <p:cTn xmlns:p14="http://schemas.microsoft.com/office/powerpoint/2010/main" id="1" dur="indefinite" restart="never" nodeType="tmRoot"/>
       </p:par>
     </p:tnLst>
   </p:timing>
@@ -10259,195 +8742,9 @@
   <p:timing>
     <p:tnLst>
       <p:par>
-        <p:cTn xmlns:p14="http://schemas.microsoft.com/office/powerpoint/2010/main" id="1" dur="indefinite" restart="never" nodeType="tmRoot">
-          <p:childTnLst>
-            <p:seq concurrent="1" nextAc="seek">
-              <p:cTn id="2" dur="indefinite" nodeType="mainSeq">
-                <p:childTnLst>
-                  <p:par>
-                    <p:cTn id="3" fill="hold">
-                      <p:stCondLst>
-                        <p:cond delay="indefinite"/>
-                      </p:stCondLst>
-                      <p:childTnLst>
-                        <p:par>
-                          <p:cTn id="4" fill="hold">
-                            <p:stCondLst>
-                              <p:cond delay="0"/>
-                            </p:stCondLst>
-                            <p:childTnLst>
-                              <p:par>
-                                <p:cTn id="5" presetID="1" presetClass="entr" presetSubtype="0" fill="hold" grpId="0" nodeType="clickEffect">
-                                  <p:stCondLst>
-                                    <p:cond delay="0"/>
-                                  </p:stCondLst>
-                                  <p:childTnLst>
-                                    <p:set>
-                                      <p:cBhvr>
-                                        <p:cTn id="6" dur="1" fill="hold">
-                                          <p:stCondLst>
-                                            <p:cond delay="0"/>
-                                          </p:stCondLst>
-                                        </p:cTn>
-                                        <p:tgtEl>
-                                          <p:spTgt spid="3">
-                                            <p:txEl>
-                                              <p:pRg st="1" end="1"/>
-                                            </p:txEl>
-                                          </p:spTgt>
-                                        </p:tgtEl>
-                                        <p:attrNameLst>
-                                          <p:attrName>style.visibility</p:attrName>
-                                        </p:attrNameLst>
-                                      </p:cBhvr>
-                                      <p:to>
-                                        <p:strVal val="visible"/>
-                                      </p:to>
-                                    </p:set>
-                                  </p:childTnLst>
-                                </p:cTn>
-                              </p:par>
-                            </p:childTnLst>
-                          </p:cTn>
-                        </p:par>
-                      </p:childTnLst>
-                    </p:cTn>
-                  </p:par>
-                  <p:par>
-                    <p:cTn id="7" fill="hold">
-                      <p:stCondLst>
-                        <p:cond delay="indefinite"/>
-                      </p:stCondLst>
-                      <p:childTnLst>
-                        <p:par>
-                          <p:cTn id="8" fill="hold">
-                            <p:stCondLst>
-                              <p:cond delay="0"/>
-                            </p:stCondLst>
-                            <p:childTnLst>
-                              <p:par>
-                                <p:cTn id="9" presetID="1" presetClass="entr" presetSubtype="0" fill="hold" grpId="0" nodeType="clickEffect">
-                                  <p:stCondLst>
-                                    <p:cond delay="0"/>
-                                  </p:stCondLst>
-                                  <p:childTnLst>
-                                    <p:set>
-                                      <p:cBhvr>
-                                        <p:cTn id="10" dur="1" fill="hold">
-                                          <p:stCondLst>
-                                            <p:cond delay="0"/>
-                                          </p:stCondLst>
-                                        </p:cTn>
-                                        <p:tgtEl>
-                                          <p:spTgt spid="3">
-                                            <p:txEl>
-                                              <p:pRg st="2" end="2"/>
-                                            </p:txEl>
-                                          </p:spTgt>
-                                        </p:tgtEl>
-                                        <p:attrNameLst>
-                                          <p:attrName>style.visibility</p:attrName>
-                                        </p:attrNameLst>
-                                      </p:cBhvr>
-                                      <p:to>
-                                        <p:strVal val="visible"/>
-                                      </p:to>
-                                    </p:set>
-                                  </p:childTnLst>
-                                </p:cTn>
-                              </p:par>
-                              <p:par>
-                                <p:cTn id="11" presetID="1" presetClass="entr" presetSubtype="0" fill="hold" grpId="0" nodeType="withEffect">
-                                  <p:stCondLst>
-                                    <p:cond delay="0"/>
-                                  </p:stCondLst>
-                                  <p:childTnLst>
-                                    <p:set>
-                                      <p:cBhvr>
-                                        <p:cTn id="12" dur="1" fill="hold">
-                                          <p:stCondLst>
-                                            <p:cond delay="0"/>
-                                          </p:stCondLst>
-                                        </p:cTn>
-                                        <p:tgtEl>
-                                          <p:spTgt spid="3">
-                                            <p:txEl>
-                                              <p:pRg st="3" end="3"/>
-                                            </p:txEl>
-                                          </p:spTgt>
-                                        </p:tgtEl>
-                                        <p:attrNameLst>
-                                          <p:attrName>style.visibility</p:attrName>
-                                        </p:attrNameLst>
-                                      </p:cBhvr>
-                                      <p:to>
-                                        <p:strVal val="visible"/>
-                                      </p:to>
-                                    </p:set>
-                                  </p:childTnLst>
-                                </p:cTn>
-                              </p:par>
-                              <p:par>
-                                <p:cTn id="13" presetID="1" presetClass="entr" presetSubtype="0" fill="hold" grpId="0" nodeType="withEffect">
-                                  <p:stCondLst>
-                                    <p:cond delay="0"/>
-                                  </p:stCondLst>
-                                  <p:childTnLst>
-                                    <p:set>
-                                      <p:cBhvr>
-                                        <p:cTn id="14" dur="1" fill="hold">
-                                          <p:stCondLst>
-                                            <p:cond delay="0"/>
-                                          </p:stCondLst>
-                                        </p:cTn>
-                                        <p:tgtEl>
-                                          <p:spTgt spid="3">
-                                            <p:txEl>
-                                              <p:pRg st="4" end="4"/>
-                                            </p:txEl>
-                                          </p:spTgt>
-                                        </p:tgtEl>
-                                        <p:attrNameLst>
-                                          <p:attrName>style.visibility</p:attrName>
-                                        </p:attrNameLst>
-                                      </p:cBhvr>
-                                      <p:to>
-                                        <p:strVal val="visible"/>
-                                      </p:to>
-                                    </p:set>
-                                  </p:childTnLst>
-                                </p:cTn>
-                              </p:par>
-                            </p:childTnLst>
-                          </p:cTn>
-                        </p:par>
-                      </p:childTnLst>
-                    </p:cTn>
-                  </p:par>
-                </p:childTnLst>
-              </p:cTn>
-              <p:prevCondLst>
-                <p:cond evt="onPrev" delay="0">
-                  <p:tgtEl>
-                    <p:sldTgt/>
-                  </p:tgtEl>
-                </p:cond>
-              </p:prevCondLst>
-              <p:nextCondLst>
-                <p:cond evt="onNext" delay="0">
-                  <p:tgtEl>
-                    <p:sldTgt/>
-                  </p:tgtEl>
-                </p:cond>
-              </p:nextCondLst>
-            </p:seq>
-          </p:childTnLst>
-        </p:cTn>
+        <p:cTn xmlns:p14="http://schemas.microsoft.com/office/powerpoint/2010/main" id="1" dur="indefinite" restart="never" nodeType="tmRoot"/>
       </p:par>
     </p:tnLst>
-    <p:bldLst>
-      <p:bldP spid="3" grpId="0" uiExpand="1" build="p"/>
-    </p:bldLst>
   </p:timing>
 </p:sld>
 </file>
@@ -10677,314 +8974,7 @@
   <p:timing>
     <p:tnLst>
       <p:par>
-        <p:cTn xmlns:p14="http://schemas.microsoft.com/office/powerpoint/2010/main" id="1" dur="indefinite" restart="never" nodeType="tmRoot">
-          <p:childTnLst>
-            <p:seq concurrent="1" nextAc="seek">
-              <p:cTn id="2" dur="indefinite" nodeType="mainSeq">
-                <p:childTnLst>
-                  <p:par>
-                    <p:cTn id="3" fill="hold">
-                      <p:stCondLst>
-                        <p:cond delay="indefinite"/>
-                      </p:stCondLst>
-                      <p:childTnLst>
-                        <p:par>
-                          <p:cTn id="4" fill="hold">
-                            <p:stCondLst>
-                              <p:cond delay="0"/>
-                            </p:stCondLst>
-                            <p:childTnLst>
-                              <p:par>
-                                <p:cTn id="5" presetID="1" presetClass="entr" presetSubtype="0" fill="hold" nodeType="clickEffect">
-                                  <p:stCondLst>
-                                    <p:cond delay="0"/>
-                                  </p:stCondLst>
-                                  <p:childTnLst>
-                                    <p:set>
-                                      <p:cBhvr>
-                                        <p:cTn id="6" dur="1" fill="hold">
-                                          <p:stCondLst>
-                                            <p:cond delay="0"/>
-                                          </p:stCondLst>
-                                        </p:cTn>
-                                        <p:tgtEl>
-                                          <p:spTgt spid="3">
-                                            <p:txEl>
-                                              <p:pRg st="1" end="1"/>
-                                            </p:txEl>
-                                          </p:spTgt>
-                                        </p:tgtEl>
-                                        <p:attrNameLst>
-                                          <p:attrName>style.visibility</p:attrName>
-                                        </p:attrNameLst>
-                                      </p:cBhvr>
-                                      <p:to>
-                                        <p:strVal val="visible"/>
-                                      </p:to>
-                                    </p:set>
-                                  </p:childTnLst>
-                                </p:cTn>
-                              </p:par>
-                            </p:childTnLst>
-                          </p:cTn>
-                        </p:par>
-                      </p:childTnLst>
-                    </p:cTn>
-                  </p:par>
-                  <p:par>
-                    <p:cTn id="7" fill="hold">
-                      <p:stCondLst>
-                        <p:cond delay="indefinite"/>
-                      </p:stCondLst>
-                      <p:childTnLst>
-                        <p:par>
-                          <p:cTn id="8" fill="hold">
-                            <p:stCondLst>
-                              <p:cond delay="0"/>
-                            </p:stCondLst>
-                            <p:childTnLst>
-                              <p:par>
-                                <p:cTn id="9" presetID="1" presetClass="entr" presetSubtype="0" fill="hold" nodeType="clickEffect">
-                                  <p:stCondLst>
-                                    <p:cond delay="0"/>
-                                  </p:stCondLst>
-                                  <p:childTnLst>
-                                    <p:set>
-                                      <p:cBhvr>
-                                        <p:cTn id="10" dur="1" fill="hold">
-                                          <p:stCondLst>
-                                            <p:cond delay="0"/>
-                                          </p:stCondLst>
-                                        </p:cTn>
-                                        <p:tgtEl>
-                                          <p:spTgt spid="3">
-                                            <p:txEl>
-                                              <p:pRg st="2" end="2"/>
-                                            </p:txEl>
-                                          </p:spTgt>
-                                        </p:tgtEl>
-                                        <p:attrNameLst>
-                                          <p:attrName>style.visibility</p:attrName>
-                                        </p:attrNameLst>
-                                      </p:cBhvr>
-                                      <p:to>
-                                        <p:strVal val="visible"/>
-                                      </p:to>
-                                    </p:set>
-                                  </p:childTnLst>
-                                </p:cTn>
-                              </p:par>
-                              <p:par>
-                                <p:cTn id="11" presetID="1" presetClass="entr" presetSubtype="0" fill="hold" nodeType="withEffect">
-                                  <p:stCondLst>
-                                    <p:cond delay="0"/>
-                                  </p:stCondLst>
-                                  <p:childTnLst>
-                                    <p:set>
-                                      <p:cBhvr>
-                                        <p:cTn id="12" dur="1" fill="hold">
-                                          <p:stCondLst>
-                                            <p:cond delay="0"/>
-                                          </p:stCondLst>
-                                        </p:cTn>
-                                        <p:tgtEl>
-                                          <p:spTgt spid="3">
-                                            <p:txEl>
-                                              <p:pRg st="3" end="3"/>
-                                            </p:txEl>
-                                          </p:spTgt>
-                                        </p:tgtEl>
-                                        <p:attrNameLst>
-                                          <p:attrName>style.visibility</p:attrName>
-                                        </p:attrNameLst>
-                                      </p:cBhvr>
-                                      <p:to>
-                                        <p:strVal val="visible"/>
-                                      </p:to>
-                                    </p:set>
-                                  </p:childTnLst>
-                                </p:cTn>
-                              </p:par>
-                              <p:par>
-                                <p:cTn id="13" presetID="1" presetClass="entr" presetSubtype="0" fill="hold" nodeType="withEffect">
-                                  <p:stCondLst>
-                                    <p:cond delay="0"/>
-                                  </p:stCondLst>
-                                  <p:childTnLst>
-                                    <p:set>
-                                      <p:cBhvr>
-                                        <p:cTn id="14" dur="1" fill="hold">
-                                          <p:stCondLst>
-                                            <p:cond delay="0"/>
-                                          </p:stCondLst>
-                                        </p:cTn>
-                                        <p:tgtEl>
-                                          <p:spTgt spid="3">
-                                            <p:txEl>
-                                              <p:pRg st="4" end="4"/>
-                                            </p:txEl>
-                                          </p:spTgt>
-                                        </p:tgtEl>
-                                        <p:attrNameLst>
-                                          <p:attrName>style.visibility</p:attrName>
-                                        </p:attrNameLst>
-                                      </p:cBhvr>
-                                      <p:to>
-                                        <p:strVal val="visible"/>
-                                      </p:to>
-                                    </p:set>
-                                  </p:childTnLst>
-                                </p:cTn>
-                              </p:par>
-                              <p:par>
-                                <p:cTn id="15" presetID="1" presetClass="entr" presetSubtype="0" fill="hold" nodeType="withEffect">
-                                  <p:stCondLst>
-                                    <p:cond delay="0"/>
-                                  </p:stCondLst>
-                                  <p:childTnLst>
-                                    <p:set>
-                                      <p:cBhvr>
-                                        <p:cTn id="16" dur="1" fill="hold">
-                                          <p:stCondLst>
-                                            <p:cond delay="0"/>
-                                          </p:stCondLst>
-                                        </p:cTn>
-                                        <p:tgtEl>
-                                          <p:spTgt spid="3">
-                                            <p:txEl>
-                                              <p:pRg st="5" end="5"/>
-                                            </p:txEl>
-                                          </p:spTgt>
-                                        </p:tgtEl>
-                                        <p:attrNameLst>
-                                          <p:attrName>style.visibility</p:attrName>
-                                        </p:attrNameLst>
-                                      </p:cBhvr>
-                                      <p:to>
-                                        <p:strVal val="visible"/>
-                                      </p:to>
-                                    </p:set>
-                                  </p:childTnLst>
-                                </p:cTn>
-                              </p:par>
-                              <p:par>
-                                <p:cTn id="17" presetID="1" presetClass="entr" presetSubtype="0" fill="hold" nodeType="withEffect">
-                                  <p:stCondLst>
-                                    <p:cond delay="0"/>
-                                  </p:stCondLst>
-                                  <p:childTnLst>
-                                    <p:set>
-                                      <p:cBhvr>
-                                        <p:cTn id="18" dur="1" fill="hold">
-                                          <p:stCondLst>
-                                            <p:cond delay="0"/>
-                                          </p:stCondLst>
-                                        </p:cTn>
-                                        <p:tgtEl>
-                                          <p:spTgt spid="3">
-                                            <p:txEl>
-                                              <p:pRg st="6" end="6"/>
-                                            </p:txEl>
-                                          </p:spTgt>
-                                        </p:tgtEl>
-                                        <p:attrNameLst>
-                                          <p:attrName>style.visibility</p:attrName>
-                                        </p:attrNameLst>
-                                      </p:cBhvr>
-                                      <p:to>
-                                        <p:strVal val="visible"/>
-                                      </p:to>
-                                    </p:set>
-                                  </p:childTnLst>
-                                </p:cTn>
-                              </p:par>
-                              <p:par>
-                                <p:cTn id="19" presetID="1" presetClass="entr" presetSubtype="0" fill="hold" nodeType="withEffect">
-                                  <p:stCondLst>
-                                    <p:cond delay="0"/>
-                                  </p:stCondLst>
-                                  <p:childTnLst>
-                                    <p:set>
-                                      <p:cBhvr>
-                                        <p:cTn id="20" dur="1" fill="hold">
-                                          <p:stCondLst>
-                                            <p:cond delay="0"/>
-                                          </p:stCondLst>
-                                        </p:cTn>
-                                        <p:tgtEl>
-                                          <p:spTgt spid="3">
-                                            <p:txEl>
-                                              <p:pRg st="7" end="7"/>
-                                            </p:txEl>
-                                          </p:spTgt>
-                                        </p:tgtEl>
-                                        <p:attrNameLst>
-                                          <p:attrName>style.visibility</p:attrName>
-                                        </p:attrNameLst>
-                                      </p:cBhvr>
-                                      <p:to>
-                                        <p:strVal val="visible"/>
-                                      </p:to>
-                                    </p:set>
-                                  </p:childTnLst>
-                                </p:cTn>
-                              </p:par>
-                              <p:par>
-                                <p:cTn id="21" presetID="1" presetClass="entr" presetSubtype="0" fill="hold" nodeType="withEffect">
-                                  <p:stCondLst>
-                                    <p:cond delay="0"/>
-                                  </p:stCondLst>
-                                  <p:childTnLst>
-                                    <p:set>
-                                      <p:cBhvr>
-                                        <p:cTn id="22" dur="1" fill="hold">
-                                          <p:stCondLst>
-                                            <p:cond delay="0"/>
-                                          </p:stCondLst>
-                                        </p:cTn>
-                                        <p:tgtEl>
-                                          <p:spTgt spid="3">
-                                            <p:txEl>
-                                              <p:pRg st="8" end="8"/>
-                                            </p:txEl>
-                                          </p:spTgt>
-                                        </p:tgtEl>
-                                        <p:attrNameLst>
-                                          <p:attrName>style.visibility</p:attrName>
-                                        </p:attrNameLst>
-                                      </p:cBhvr>
-                                      <p:to>
-                                        <p:strVal val="visible"/>
-                                      </p:to>
-                                    </p:set>
-                                  </p:childTnLst>
-                                </p:cTn>
-                              </p:par>
-                            </p:childTnLst>
-                          </p:cTn>
-                        </p:par>
-                      </p:childTnLst>
-                    </p:cTn>
-                  </p:par>
-                </p:childTnLst>
-              </p:cTn>
-              <p:prevCondLst>
-                <p:cond evt="onPrev" delay="0">
-                  <p:tgtEl>
-                    <p:sldTgt/>
-                  </p:tgtEl>
-                </p:cond>
-              </p:prevCondLst>
-              <p:nextCondLst>
-                <p:cond evt="onNext" delay="0">
-                  <p:tgtEl>
-                    <p:sldTgt/>
-                  </p:tgtEl>
-                </p:cond>
-              </p:nextCondLst>
-            </p:seq>
-          </p:childTnLst>
-        </p:cTn>
+        <p:cTn xmlns:p14="http://schemas.microsoft.com/office/powerpoint/2010/main" id="1" dur="indefinite" restart="never" nodeType="tmRoot"/>
       </p:par>
     </p:tnLst>
   </p:timing>
@@ -11322,376 +9312,7 @@
   <p:timing>
     <p:tnLst>
       <p:par>
-        <p:cTn xmlns:p14="http://schemas.microsoft.com/office/powerpoint/2010/main" id="1" dur="indefinite" restart="never" nodeType="tmRoot">
-          <p:childTnLst>
-            <p:seq concurrent="1" nextAc="seek">
-              <p:cTn id="2" dur="indefinite" nodeType="mainSeq">
-                <p:childTnLst>
-                  <p:par>
-                    <p:cTn id="3" fill="hold">
-                      <p:stCondLst>
-                        <p:cond delay="indefinite"/>
-                      </p:stCondLst>
-                      <p:childTnLst>
-                        <p:par>
-                          <p:cTn id="4" fill="hold">
-                            <p:stCondLst>
-                              <p:cond delay="0"/>
-                            </p:stCondLst>
-                            <p:childTnLst>
-                              <p:par>
-                                <p:cTn id="5" presetID="1" presetClass="entr" presetSubtype="0" fill="hold" nodeType="clickEffect">
-                                  <p:stCondLst>
-                                    <p:cond delay="0"/>
-                                  </p:stCondLst>
-                                  <p:childTnLst>
-                                    <p:set>
-                                      <p:cBhvr>
-                                        <p:cTn id="6" dur="1" fill="hold">
-                                          <p:stCondLst>
-                                            <p:cond delay="0"/>
-                                          </p:stCondLst>
-                                        </p:cTn>
-                                        <p:tgtEl>
-                                          <p:spTgt spid="3">
-                                            <p:txEl>
-                                              <p:pRg st="1" end="1"/>
-                                            </p:txEl>
-                                          </p:spTgt>
-                                        </p:tgtEl>
-                                        <p:attrNameLst>
-                                          <p:attrName>style.visibility</p:attrName>
-                                        </p:attrNameLst>
-                                      </p:cBhvr>
-                                      <p:to>
-                                        <p:strVal val="visible"/>
-                                      </p:to>
-                                    </p:set>
-                                  </p:childTnLst>
-                                </p:cTn>
-                              </p:par>
-                            </p:childTnLst>
-                          </p:cTn>
-                        </p:par>
-                      </p:childTnLst>
-                    </p:cTn>
-                  </p:par>
-                  <p:par>
-                    <p:cTn id="7" fill="hold">
-                      <p:stCondLst>
-                        <p:cond delay="indefinite"/>
-                      </p:stCondLst>
-                      <p:childTnLst>
-                        <p:par>
-                          <p:cTn id="8" fill="hold">
-                            <p:stCondLst>
-                              <p:cond delay="0"/>
-                            </p:stCondLst>
-                            <p:childTnLst>
-                              <p:par>
-                                <p:cTn id="9" presetID="1" presetClass="entr" presetSubtype="0" fill="hold" nodeType="clickEffect">
-                                  <p:stCondLst>
-                                    <p:cond delay="0"/>
-                                  </p:stCondLst>
-                                  <p:childTnLst>
-                                    <p:set>
-                                      <p:cBhvr>
-                                        <p:cTn id="10" dur="1" fill="hold">
-                                          <p:stCondLst>
-                                            <p:cond delay="0"/>
-                                          </p:stCondLst>
-                                        </p:cTn>
-                                        <p:tgtEl>
-                                          <p:spTgt spid="3">
-                                            <p:txEl>
-                                              <p:pRg st="2" end="2"/>
-                                            </p:txEl>
-                                          </p:spTgt>
-                                        </p:tgtEl>
-                                        <p:attrNameLst>
-                                          <p:attrName>style.visibility</p:attrName>
-                                        </p:attrNameLst>
-                                      </p:cBhvr>
-                                      <p:to>
-                                        <p:strVal val="visible"/>
-                                      </p:to>
-                                    </p:set>
-                                  </p:childTnLst>
-                                </p:cTn>
-                              </p:par>
-                              <p:par>
-                                <p:cTn id="11" presetID="1" presetClass="entr" presetSubtype="0" fill="hold" nodeType="withEffect">
-                                  <p:stCondLst>
-                                    <p:cond delay="0"/>
-                                  </p:stCondLst>
-                                  <p:childTnLst>
-                                    <p:set>
-                                      <p:cBhvr>
-                                        <p:cTn id="12" dur="1" fill="hold">
-                                          <p:stCondLst>
-                                            <p:cond delay="0"/>
-                                          </p:stCondLst>
-                                        </p:cTn>
-                                        <p:tgtEl>
-                                          <p:spTgt spid="3">
-                                            <p:txEl>
-                                              <p:pRg st="3" end="3"/>
-                                            </p:txEl>
-                                          </p:spTgt>
-                                        </p:tgtEl>
-                                        <p:attrNameLst>
-                                          <p:attrName>style.visibility</p:attrName>
-                                        </p:attrNameLst>
-                                      </p:cBhvr>
-                                      <p:to>
-                                        <p:strVal val="visible"/>
-                                      </p:to>
-                                    </p:set>
-                                  </p:childTnLst>
-                                </p:cTn>
-                              </p:par>
-                              <p:par>
-                                <p:cTn id="13" presetID="1" presetClass="entr" presetSubtype="0" fill="hold" nodeType="withEffect">
-                                  <p:stCondLst>
-                                    <p:cond delay="0"/>
-                                  </p:stCondLst>
-                                  <p:childTnLst>
-                                    <p:set>
-                                      <p:cBhvr>
-                                        <p:cTn id="14" dur="1" fill="hold">
-                                          <p:stCondLst>
-                                            <p:cond delay="0"/>
-                                          </p:stCondLst>
-                                        </p:cTn>
-                                        <p:tgtEl>
-                                          <p:spTgt spid="3">
-                                            <p:txEl>
-                                              <p:pRg st="4" end="4"/>
-                                            </p:txEl>
-                                          </p:spTgt>
-                                        </p:tgtEl>
-                                        <p:attrNameLst>
-                                          <p:attrName>style.visibility</p:attrName>
-                                        </p:attrNameLst>
-                                      </p:cBhvr>
-                                      <p:to>
-                                        <p:strVal val="visible"/>
-                                      </p:to>
-                                    </p:set>
-                                  </p:childTnLst>
-                                </p:cTn>
-                              </p:par>
-                              <p:par>
-                                <p:cTn id="15" presetID="1" presetClass="entr" presetSubtype="0" fill="hold" nodeType="withEffect">
-                                  <p:stCondLst>
-                                    <p:cond delay="0"/>
-                                  </p:stCondLst>
-                                  <p:childTnLst>
-                                    <p:set>
-                                      <p:cBhvr>
-                                        <p:cTn id="16" dur="1" fill="hold">
-                                          <p:stCondLst>
-                                            <p:cond delay="0"/>
-                                          </p:stCondLst>
-                                        </p:cTn>
-                                        <p:tgtEl>
-                                          <p:spTgt spid="3">
-                                            <p:txEl>
-                                              <p:pRg st="5" end="5"/>
-                                            </p:txEl>
-                                          </p:spTgt>
-                                        </p:tgtEl>
-                                        <p:attrNameLst>
-                                          <p:attrName>style.visibility</p:attrName>
-                                        </p:attrNameLst>
-                                      </p:cBhvr>
-                                      <p:to>
-                                        <p:strVal val="visible"/>
-                                      </p:to>
-                                    </p:set>
-                                  </p:childTnLst>
-                                </p:cTn>
-                              </p:par>
-                              <p:par>
-                                <p:cTn id="17" presetID="1" presetClass="entr" presetSubtype="0" fill="hold" nodeType="withEffect">
-                                  <p:stCondLst>
-                                    <p:cond delay="0"/>
-                                  </p:stCondLst>
-                                  <p:childTnLst>
-                                    <p:set>
-                                      <p:cBhvr>
-                                        <p:cTn id="18" dur="1" fill="hold">
-                                          <p:stCondLst>
-                                            <p:cond delay="0"/>
-                                          </p:stCondLst>
-                                        </p:cTn>
-                                        <p:tgtEl>
-                                          <p:spTgt spid="3">
-                                            <p:txEl>
-                                              <p:pRg st="6" end="6"/>
-                                            </p:txEl>
-                                          </p:spTgt>
-                                        </p:tgtEl>
-                                        <p:attrNameLst>
-                                          <p:attrName>style.visibility</p:attrName>
-                                        </p:attrNameLst>
-                                      </p:cBhvr>
-                                      <p:to>
-                                        <p:strVal val="visible"/>
-                                      </p:to>
-                                    </p:set>
-                                  </p:childTnLst>
-                                </p:cTn>
-                              </p:par>
-                              <p:par>
-                                <p:cTn id="19" presetID="1" presetClass="entr" presetSubtype="0" fill="hold" nodeType="withEffect">
-                                  <p:stCondLst>
-                                    <p:cond delay="0"/>
-                                  </p:stCondLst>
-                                  <p:childTnLst>
-                                    <p:set>
-                                      <p:cBhvr>
-                                        <p:cTn id="20" dur="1" fill="hold">
-                                          <p:stCondLst>
-                                            <p:cond delay="0"/>
-                                          </p:stCondLst>
-                                        </p:cTn>
-                                        <p:tgtEl>
-                                          <p:spTgt spid="3">
-                                            <p:txEl>
-                                              <p:pRg st="7" end="7"/>
-                                            </p:txEl>
-                                          </p:spTgt>
-                                        </p:tgtEl>
-                                        <p:attrNameLst>
-                                          <p:attrName>style.visibility</p:attrName>
-                                        </p:attrNameLst>
-                                      </p:cBhvr>
-                                      <p:to>
-                                        <p:strVal val="visible"/>
-                                      </p:to>
-                                    </p:set>
-                                  </p:childTnLst>
-                                </p:cTn>
-                              </p:par>
-                              <p:par>
-                                <p:cTn id="21" presetID="1" presetClass="entr" presetSubtype="0" fill="hold" nodeType="withEffect">
-                                  <p:stCondLst>
-                                    <p:cond delay="0"/>
-                                  </p:stCondLst>
-                                  <p:childTnLst>
-                                    <p:set>
-                                      <p:cBhvr>
-                                        <p:cTn id="22" dur="1" fill="hold">
-                                          <p:stCondLst>
-                                            <p:cond delay="0"/>
-                                          </p:stCondLst>
-                                        </p:cTn>
-                                        <p:tgtEl>
-                                          <p:spTgt spid="3">
-                                            <p:txEl>
-                                              <p:pRg st="8" end="8"/>
-                                            </p:txEl>
-                                          </p:spTgt>
-                                        </p:tgtEl>
-                                        <p:attrNameLst>
-                                          <p:attrName>style.visibility</p:attrName>
-                                        </p:attrNameLst>
-                                      </p:cBhvr>
-                                      <p:to>
-                                        <p:strVal val="visible"/>
-                                      </p:to>
-                                    </p:set>
-                                  </p:childTnLst>
-                                </p:cTn>
-                              </p:par>
-                              <p:par>
-                                <p:cTn id="23" presetID="1" presetClass="entr" presetSubtype="0" fill="hold" nodeType="withEffect">
-                                  <p:stCondLst>
-                                    <p:cond delay="0"/>
-                                  </p:stCondLst>
-                                  <p:childTnLst>
-                                    <p:set>
-                                      <p:cBhvr>
-                                        <p:cTn id="24" dur="1" fill="hold">
-                                          <p:stCondLst>
-                                            <p:cond delay="0"/>
-                                          </p:stCondLst>
-                                        </p:cTn>
-                                        <p:tgtEl>
-                                          <p:spTgt spid="3">
-                                            <p:txEl>
-                                              <p:pRg st="9" end="9"/>
-                                            </p:txEl>
-                                          </p:spTgt>
-                                        </p:tgtEl>
-                                        <p:attrNameLst>
-                                          <p:attrName>style.visibility</p:attrName>
-                                        </p:attrNameLst>
-                                      </p:cBhvr>
-                                      <p:to>
-                                        <p:strVal val="visible"/>
-                                      </p:to>
-                                    </p:set>
-                                  </p:childTnLst>
-                                </p:cTn>
-                              </p:par>
-                              <p:par>
-                                <p:cTn id="25" presetID="1" presetClass="entr" presetSubtype="0" fill="hold" nodeType="withEffect">
-                                  <p:stCondLst>
-                                    <p:cond delay="0"/>
-                                  </p:stCondLst>
-                                  <p:childTnLst>
-                                    <p:set>
-                                      <p:cBhvr>
-                                        <p:cTn id="26" dur="1" fill="hold">
-                                          <p:stCondLst>
-                                            <p:cond delay="0"/>
-                                          </p:stCondLst>
-                                        </p:cTn>
-                                        <p:tgtEl>
-                                          <p:spTgt spid="3">
-                                            <p:txEl>
-                                              <p:pRg st="10" end="10"/>
-                                            </p:txEl>
-                                          </p:spTgt>
-                                        </p:tgtEl>
-                                        <p:attrNameLst>
-                                          <p:attrName>style.visibility</p:attrName>
-                                        </p:attrNameLst>
-                                      </p:cBhvr>
-                                      <p:to>
-                                        <p:strVal val="visible"/>
-                                      </p:to>
-                                    </p:set>
-                                  </p:childTnLst>
-                                </p:cTn>
-                              </p:par>
-                            </p:childTnLst>
-                          </p:cTn>
-                        </p:par>
-                      </p:childTnLst>
-                    </p:cTn>
-                  </p:par>
-                </p:childTnLst>
-              </p:cTn>
-              <p:prevCondLst>
-                <p:cond evt="onPrev" delay="0">
-                  <p:tgtEl>
-                    <p:sldTgt/>
-                  </p:tgtEl>
-                </p:cond>
-              </p:prevCondLst>
-              <p:nextCondLst>
-                <p:cond evt="onNext" delay="0">
-                  <p:tgtEl>
-                    <p:sldTgt/>
-                  </p:tgtEl>
-                </p:cond>
-              </p:nextCondLst>
-            </p:seq>
-          </p:childTnLst>
-        </p:cTn>
+        <p:cTn xmlns:p14="http://schemas.microsoft.com/office/powerpoint/2010/main" id="1" dur="indefinite" restart="never" nodeType="tmRoot"/>
       </p:par>
     </p:tnLst>
   </p:timing>
@@ -13500,7 +11121,7 @@
           <a:p>
             <a:r>
               <a:rPr lang="en-US" dirty="0" smtClean="0"/>
-              <a:t>Presenters</a:t>
+              <a:t>Get the repo, the tutorial and this presentation</a:t>
             </a:r>
             <a:endParaRPr lang="en-US" dirty="0"/>
           </a:p>
@@ -13516,136 +11137,33 @@
             <p:ph idx="1"/>
           </p:nvPr>
         </p:nvSpPr>
-        <p:spPr>
-          <a:xfrm>
-            <a:off x="457199" y="841248"/>
-            <a:ext cx="7985823" cy="3794760"/>
-          </a:xfrm>
-        </p:spPr>
-        <p:txBody>
-          <a:bodyPr/>
+        <p:spPr/>
+        <p:txBody>
+          <a:bodyPr anchor="ctr"/>
           <a:lstStyle/>
           <a:p>
-            <a:r>
-              <a:rPr lang="en-US" dirty="0" smtClean="0"/>
-              <a:t>Ramon M. </a:t>
-            </a:r>
-            <a:r>
-              <a:rPr lang="en-US" dirty="0" smtClean="0"/>
-              <a:t>Gallart </a:t>
-            </a:r>
-            <a:r>
-              <a:rPr lang="en-US" sz="1800" dirty="0" smtClean="0"/>
-              <a:t>(</a:t>
-            </a:r>
-            <a:r>
-              <a:rPr lang="en-US" sz="1800" dirty="0" err="1" smtClean="0"/>
-              <a:t>ramon.gallart</a:t>
-            </a:r>
-            <a:r>
-              <a:rPr lang="en-US" sz="1800" dirty="0" err="1"/>
-              <a:t>@</a:t>
-            </a:r>
-            <a:r>
-              <a:rPr lang="en-US" sz="1800" dirty="0" err="1" smtClean="0"/>
-              <a:t>docusign.com</a:t>
-            </a:r>
-            <a:r>
-              <a:rPr lang="en-US" sz="1800" dirty="0" smtClean="0"/>
-              <a:t>)</a:t>
-            </a:r>
-            <a:endParaRPr lang="en-US" dirty="0" smtClean="0"/>
-          </a:p>
-          <a:p>
-            <a:pPr lvl="1"/>
-            <a:r>
-              <a:rPr lang="en-US" dirty="0" smtClean="0"/>
-              <a:t>Software Architect at </a:t>
-            </a:r>
-            <a:r>
-              <a:rPr lang="en-US" dirty="0" err="1" smtClean="0"/>
-              <a:t>DocuSign</a:t>
-            </a:r>
-            <a:r>
-              <a:rPr lang="en-US" dirty="0" smtClean="0"/>
-              <a:t> Inc.</a:t>
-            </a:r>
-          </a:p>
-          <a:p>
-            <a:pPr lvl="1"/>
-            <a:endParaRPr lang="en-US" dirty="0"/>
-          </a:p>
-          <a:p>
-            <a:r>
-              <a:rPr lang="en-US" dirty="0" smtClean="0"/>
-              <a:t>Greg Robbins </a:t>
-            </a:r>
-            <a:r>
-              <a:rPr lang="en-US" sz="1800" dirty="0"/>
-              <a:t>(</a:t>
-            </a:r>
-            <a:r>
-              <a:rPr lang="en-US" sz="1800" dirty="0" err="1"/>
-              <a:t>Greg.Robbins@docusign.com</a:t>
-            </a:r>
-            <a:r>
-              <a:rPr lang="en-US" sz="1800" dirty="0"/>
-              <a:t>)</a:t>
-            </a:r>
-            <a:endParaRPr lang="en-US" dirty="0" smtClean="0"/>
-          </a:p>
-          <a:p>
-            <a:pPr lvl="1"/>
-            <a:r>
-              <a:rPr lang="en-US" dirty="0" smtClean="0"/>
-              <a:t>Director of Engineering, </a:t>
-            </a:r>
-            <a:r>
-              <a:rPr lang="en-US" dirty="0" err="1" smtClean="0"/>
-              <a:t>eCommerce</a:t>
-            </a:r>
-            <a:r>
-              <a:rPr lang="en-US" dirty="0" smtClean="0"/>
-              <a:t> at </a:t>
-            </a:r>
-            <a:r>
-              <a:rPr lang="en-US" dirty="0" err="1" smtClean="0"/>
-              <a:t>DocuSign</a:t>
-            </a:r>
-            <a:r>
-              <a:rPr lang="en-US" dirty="0" smtClean="0"/>
-              <a:t> Inc.</a:t>
-            </a:r>
-          </a:p>
-          <a:p>
-            <a:pPr lvl="1"/>
-            <a:endParaRPr lang="en-US" dirty="0"/>
-          </a:p>
-          <a:p>
-            <a:pPr indent="0">
+            <a:pPr indent="0" algn="ctr">
               <a:buNone/>
             </a:pPr>
             <a:r>
-              <a:rPr lang="en-US" dirty="0" smtClean="0"/>
-              <a:t>Looking for </a:t>
-            </a:r>
-            <a:r>
-              <a:rPr lang="en-US" dirty="0" err="1" smtClean="0"/>
-              <a:t>Django</a:t>
-            </a:r>
-            <a:r>
-              <a:rPr lang="en-US" dirty="0" smtClean="0"/>
-              <a:t> developers to join us at </a:t>
-            </a:r>
-            <a:r>
-              <a:rPr lang="en-US" dirty="0" err="1" smtClean="0"/>
-              <a:t>DocuSign</a:t>
-            </a:r>
-            <a:r>
-              <a:rPr lang="en-US" dirty="0" smtClean="0"/>
-              <a:t> in San Francisco!</a:t>
-            </a:r>
-            <a:endParaRPr lang="en-US" dirty="0"/>
+              <a:rPr lang="en-US" sz="2800" dirty="0">
+                <a:hlinkClick r:id="rId2"/>
+              </a:rPr>
+              <a:t>https://github.com/DocuSignDev/</a:t>
+            </a:r>
+            <a:r>
+              <a:rPr lang="en-US" sz="2800" dirty="0" smtClean="0">
+                <a:hlinkClick r:id="rId2"/>
+              </a:rPr>
+              <a:t>DjangoCon2014</a:t>
+            </a:r>
+            <a:endParaRPr lang="en-US" sz="2800" dirty="0" smtClean="0"/>
+          </a:p>
+          <a:p>
+            <a:pPr indent="0" algn="ctr">
+              <a:buNone/>
+            </a:pPr>
+            <a:endParaRPr lang="en-US" sz="2800" dirty="0"/>
           </a:p>
         </p:txBody>
       </p:sp>
@@ -13676,7 +11194,7 @@
     </p:spTree>
     <p:extLst>
       <p:ext uri="{BB962C8B-B14F-4D97-AF65-F5344CB8AC3E}">
-        <p14:creationId xmlns:p14="http://schemas.microsoft.com/office/powerpoint/2010/main" val="4237296743"/>
+        <p14:creationId xmlns:p14="http://schemas.microsoft.com/office/powerpoint/2010/main" val="316154994"/>
       </p:ext>
     </p:extLst>
   </p:cSld>
@@ -13694,159 +11212,7 @@
   <p:timing>
     <p:tnLst>
       <p:par>
-        <p:cTn xmlns:p14="http://schemas.microsoft.com/office/powerpoint/2010/main" id="1" dur="indefinite" restart="never" nodeType="tmRoot">
-          <p:childTnLst>
-            <p:seq concurrent="1" nextAc="seek">
-              <p:cTn id="2" dur="indefinite" nodeType="mainSeq">
-                <p:childTnLst>
-                  <p:par>
-                    <p:cTn id="3" fill="hold">
-                      <p:stCondLst>
-                        <p:cond delay="indefinite"/>
-                      </p:stCondLst>
-                      <p:childTnLst>
-                        <p:par>
-                          <p:cTn id="4" fill="hold">
-                            <p:stCondLst>
-                              <p:cond delay="0"/>
-                            </p:stCondLst>
-                            <p:childTnLst>
-                              <p:par>
-                                <p:cTn id="5" presetID="1" presetClass="entr" presetSubtype="0" fill="hold" nodeType="clickEffect">
-                                  <p:stCondLst>
-                                    <p:cond delay="0"/>
-                                  </p:stCondLst>
-                                  <p:childTnLst>
-                                    <p:set>
-                                      <p:cBhvr>
-                                        <p:cTn id="6" dur="1" fill="hold">
-                                          <p:stCondLst>
-                                            <p:cond delay="0"/>
-                                          </p:stCondLst>
-                                        </p:cTn>
-                                        <p:tgtEl>
-                                          <p:spTgt spid="3">
-                                            <p:txEl>
-                                              <p:pRg st="3" end="3"/>
-                                            </p:txEl>
-                                          </p:spTgt>
-                                        </p:tgtEl>
-                                        <p:attrNameLst>
-                                          <p:attrName>style.visibility</p:attrName>
-                                        </p:attrNameLst>
-                                      </p:cBhvr>
-                                      <p:to>
-                                        <p:strVal val="visible"/>
-                                      </p:to>
-                                    </p:set>
-                                  </p:childTnLst>
-                                </p:cTn>
-                              </p:par>
-                              <p:par>
-                                <p:cTn id="7" presetID="1" presetClass="entr" presetSubtype="0" fill="hold" nodeType="withEffect">
-                                  <p:stCondLst>
-                                    <p:cond delay="0"/>
-                                  </p:stCondLst>
-                                  <p:childTnLst>
-                                    <p:set>
-                                      <p:cBhvr>
-                                        <p:cTn id="8" dur="1" fill="hold">
-                                          <p:stCondLst>
-                                            <p:cond delay="0"/>
-                                          </p:stCondLst>
-                                        </p:cTn>
-                                        <p:tgtEl>
-                                          <p:spTgt spid="3">
-                                            <p:txEl>
-                                              <p:pRg st="4" end="4"/>
-                                            </p:txEl>
-                                          </p:spTgt>
-                                        </p:tgtEl>
-                                        <p:attrNameLst>
-                                          <p:attrName>style.visibility</p:attrName>
-                                        </p:attrNameLst>
-                                      </p:cBhvr>
-                                      <p:to>
-                                        <p:strVal val="visible"/>
-                                      </p:to>
-                                    </p:set>
-                                  </p:childTnLst>
-                                </p:cTn>
-                              </p:par>
-                            </p:childTnLst>
-                          </p:cTn>
-                        </p:par>
-                      </p:childTnLst>
-                    </p:cTn>
-                  </p:par>
-                  <p:par>
-                    <p:cTn id="9" fill="hold">
-                      <p:stCondLst>
-                        <p:cond delay="indefinite"/>
-                      </p:stCondLst>
-                      <p:childTnLst>
-                        <p:par>
-                          <p:cTn id="10" fill="hold">
-                            <p:stCondLst>
-                              <p:cond delay="0"/>
-                            </p:stCondLst>
-                            <p:childTnLst>
-                              <p:par>
-                                <p:cTn id="11" presetID="1" presetClass="entr" presetSubtype="0" fill="hold" nodeType="clickEffect">
-                                  <p:stCondLst>
-                                    <p:cond delay="0"/>
-                                  </p:stCondLst>
-                                  <p:childTnLst>
-                                    <p:set>
-                                      <p:cBhvr>
-                                        <p:cTn id="12" dur="1" fill="hold">
-                                          <p:stCondLst>
-                                            <p:cond delay="0"/>
-                                          </p:stCondLst>
-                                        </p:cTn>
-                                        <p:tgtEl>
-                                          <p:spTgt spid="3">
-                                            <p:txEl>
-                                              <p:pRg st="6" end="6"/>
-                                            </p:txEl>
-                                          </p:spTgt>
-                                        </p:tgtEl>
-                                        <p:attrNameLst>
-                                          <p:attrName>style.visibility</p:attrName>
-                                        </p:attrNameLst>
-                                      </p:cBhvr>
-                                      <p:to>
-                                        <p:strVal val="visible"/>
-                                      </p:to>
-                                    </p:set>
-                                  </p:childTnLst>
-                                </p:cTn>
-                              </p:par>
-                            </p:childTnLst>
-                          </p:cTn>
-                        </p:par>
-                      </p:childTnLst>
-                    </p:cTn>
-                  </p:par>
-                </p:childTnLst>
-              </p:cTn>
-              <p:prevCondLst>
-                <p:cond evt="onPrev" delay="0">
-                  <p:tgtEl>
-                    <p:sldTgt/>
-                  </p:tgtEl>
-                </p:cond>
-              </p:prevCondLst>
-              <p:nextCondLst>
-                <p:cond evt="onNext" delay="0">
-                  <p:tgtEl>
-                    <p:sldTgt/>
-                  </p:tgtEl>
-                </p:cond>
-              </p:nextCondLst>
-            </p:seq>
-          </p:childTnLst>
-        </p:cTn>
+        <p:cTn xmlns:p14="http://schemas.microsoft.com/office/powerpoint/2010/main" id="1" dur="indefinite" restart="never" nodeType="tmRoot"/>
       </p:par>
     </p:tnLst>
   </p:timing>
@@ -14000,231 +11366,9 @@
   <p:timing>
     <p:tnLst>
       <p:par>
-        <p:cTn xmlns:p14="http://schemas.microsoft.com/office/powerpoint/2010/main" id="1" dur="indefinite" restart="never" nodeType="tmRoot">
-          <p:childTnLst>
-            <p:seq concurrent="1" nextAc="seek">
-              <p:cTn id="2" dur="indefinite" nodeType="mainSeq">
-                <p:childTnLst>
-                  <p:par>
-                    <p:cTn id="3" fill="hold">
-                      <p:stCondLst>
-                        <p:cond delay="indefinite"/>
-                      </p:stCondLst>
-                      <p:childTnLst>
-                        <p:par>
-                          <p:cTn id="4" fill="hold">
-                            <p:stCondLst>
-                              <p:cond delay="0"/>
-                            </p:stCondLst>
-                            <p:childTnLst>
-                              <p:par>
-                                <p:cTn id="5" presetID="1" presetClass="entr" presetSubtype="0" fill="hold" grpId="0" nodeType="clickEffect">
-                                  <p:stCondLst>
-                                    <p:cond delay="0"/>
-                                  </p:stCondLst>
-                                  <p:childTnLst>
-                                    <p:set>
-                                      <p:cBhvr>
-                                        <p:cTn id="6" dur="1" fill="hold">
-                                          <p:stCondLst>
-                                            <p:cond delay="0"/>
-                                          </p:stCondLst>
-                                        </p:cTn>
-                                        <p:tgtEl>
-                                          <p:spTgt spid="3">
-                                            <p:txEl>
-                                              <p:pRg st="1" end="1"/>
-                                            </p:txEl>
-                                          </p:spTgt>
-                                        </p:tgtEl>
-                                        <p:attrNameLst>
-                                          <p:attrName>style.visibility</p:attrName>
-                                        </p:attrNameLst>
-                                      </p:cBhvr>
-                                      <p:to>
-                                        <p:strVal val="visible"/>
-                                      </p:to>
-                                    </p:set>
-                                  </p:childTnLst>
-                                </p:cTn>
-                              </p:par>
-                            </p:childTnLst>
-                          </p:cTn>
-                        </p:par>
-                      </p:childTnLst>
-                    </p:cTn>
-                  </p:par>
-                  <p:par>
-                    <p:cTn id="7" fill="hold">
-                      <p:stCondLst>
-                        <p:cond delay="indefinite"/>
-                      </p:stCondLst>
-                      <p:childTnLst>
-                        <p:par>
-                          <p:cTn id="8" fill="hold">
-                            <p:stCondLst>
-                              <p:cond delay="0"/>
-                            </p:stCondLst>
-                            <p:childTnLst>
-                              <p:par>
-                                <p:cTn id="9" presetID="1" presetClass="entr" presetSubtype="0" fill="hold" grpId="0" nodeType="clickEffect">
-                                  <p:stCondLst>
-                                    <p:cond delay="0"/>
-                                  </p:stCondLst>
-                                  <p:childTnLst>
-                                    <p:set>
-                                      <p:cBhvr>
-                                        <p:cTn id="10" dur="1" fill="hold">
-                                          <p:stCondLst>
-                                            <p:cond delay="0"/>
-                                          </p:stCondLst>
-                                        </p:cTn>
-                                        <p:tgtEl>
-                                          <p:spTgt spid="3">
-                                            <p:txEl>
-                                              <p:pRg st="2" end="2"/>
-                                            </p:txEl>
-                                          </p:spTgt>
-                                        </p:tgtEl>
-                                        <p:attrNameLst>
-                                          <p:attrName>style.visibility</p:attrName>
-                                        </p:attrNameLst>
-                                      </p:cBhvr>
-                                      <p:to>
-                                        <p:strVal val="visible"/>
-                                      </p:to>
-                                    </p:set>
-                                  </p:childTnLst>
-                                </p:cTn>
-                              </p:par>
-                            </p:childTnLst>
-                          </p:cTn>
-                        </p:par>
-                      </p:childTnLst>
-                    </p:cTn>
-                  </p:par>
-                  <p:par>
-                    <p:cTn id="11" fill="hold">
-                      <p:stCondLst>
-                        <p:cond delay="indefinite"/>
-                      </p:stCondLst>
-                      <p:childTnLst>
-                        <p:par>
-                          <p:cTn id="12" fill="hold">
-                            <p:stCondLst>
-                              <p:cond delay="0"/>
-                            </p:stCondLst>
-                            <p:childTnLst>
-                              <p:par>
-                                <p:cTn id="13" presetID="1" presetClass="entr" presetSubtype="0" fill="hold" grpId="0" nodeType="clickEffect">
-                                  <p:stCondLst>
-                                    <p:cond delay="0"/>
-                                  </p:stCondLst>
-                                  <p:childTnLst>
-                                    <p:set>
-                                      <p:cBhvr>
-                                        <p:cTn id="14" dur="1" fill="hold">
-                                          <p:stCondLst>
-                                            <p:cond delay="0"/>
-                                          </p:stCondLst>
-                                        </p:cTn>
-                                        <p:tgtEl>
-                                          <p:spTgt spid="3">
-                                            <p:txEl>
-                                              <p:pRg st="3" end="3"/>
-                                            </p:txEl>
-                                          </p:spTgt>
-                                        </p:tgtEl>
-                                        <p:attrNameLst>
-                                          <p:attrName>style.visibility</p:attrName>
-                                        </p:attrNameLst>
-                                      </p:cBhvr>
-                                      <p:to>
-                                        <p:strVal val="visible"/>
-                                      </p:to>
-                                    </p:set>
-                                  </p:childTnLst>
-                                </p:cTn>
-                              </p:par>
-                            </p:childTnLst>
-                          </p:cTn>
-                        </p:par>
-                      </p:childTnLst>
-                    </p:cTn>
-                  </p:par>
-                  <p:par>
-                    <p:cTn id="15" fill="hold">
-                      <p:stCondLst>
-                        <p:cond delay="indefinite"/>
-                      </p:stCondLst>
-                      <p:childTnLst>
-                        <p:par>
-                          <p:cTn id="16" fill="hold">
-                            <p:stCondLst>
-                              <p:cond delay="0"/>
-                            </p:stCondLst>
-                            <p:childTnLst>
-                              <p:par>
-                                <p:cTn id="17" presetID="1" presetClass="entr" presetSubtype="0" fill="hold" grpId="0" nodeType="clickEffect">
-                                  <p:stCondLst>
-                                    <p:cond delay="0"/>
-                                  </p:stCondLst>
-                                  <p:childTnLst>
-                                    <p:set>
-                                      <p:cBhvr>
-                                        <p:cTn id="18" dur="1" fill="hold">
-                                          <p:stCondLst>
-                                            <p:cond delay="0"/>
-                                          </p:stCondLst>
-                                        </p:cTn>
-                                        <p:tgtEl>
-                                          <p:spTgt spid="3">
-                                            <p:txEl>
-                                              <p:pRg st="4" end="4"/>
-                                            </p:txEl>
-                                          </p:spTgt>
-                                        </p:tgtEl>
-                                        <p:attrNameLst>
-                                          <p:attrName>style.visibility</p:attrName>
-                                        </p:attrNameLst>
-                                      </p:cBhvr>
-                                      <p:to>
-                                        <p:strVal val="visible"/>
-                                      </p:to>
-                                    </p:set>
-                                  </p:childTnLst>
-                                </p:cTn>
-                              </p:par>
-                            </p:childTnLst>
-                          </p:cTn>
-                        </p:par>
-                      </p:childTnLst>
-                    </p:cTn>
-                  </p:par>
-                </p:childTnLst>
-              </p:cTn>
-              <p:prevCondLst>
-                <p:cond evt="onPrev" delay="0">
-                  <p:tgtEl>
-                    <p:sldTgt/>
-                  </p:tgtEl>
-                </p:cond>
-              </p:prevCondLst>
-              <p:nextCondLst>
-                <p:cond evt="onNext" delay="0">
-                  <p:tgtEl>
-                    <p:sldTgt/>
-                  </p:tgtEl>
-                </p:cond>
-              </p:nextCondLst>
-            </p:seq>
-          </p:childTnLst>
-        </p:cTn>
+        <p:cTn xmlns:p14="http://schemas.microsoft.com/office/powerpoint/2010/main" id="1" dur="indefinite" restart="never" nodeType="tmRoot"/>
       </p:par>
     </p:tnLst>
-    <p:bldLst>
-      <p:bldP spid="3" grpId="0" uiExpand="1" build="p"/>
-    </p:bldLst>
   </p:timing>
 </p:sld>
 </file>
@@ -14398,280 +11542,9 @@
   <p:timing>
     <p:tnLst>
       <p:par>
-        <p:cTn xmlns:p14="http://schemas.microsoft.com/office/powerpoint/2010/main" id="1" dur="indefinite" restart="never" nodeType="tmRoot">
-          <p:childTnLst>
-            <p:seq concurrent="1" nextAc="seek">
-              <p:cTn id="2" dur="indefinite" nodeType="mainSeq">
-                <p:childTnLst>
-                  <p:par>
-                    <p:cTn id="3" fill="hold">
-                      <p:stCondLst>
-                        <p:cond delay="indefinite"/>
-                      </p:stCondLst>
-                      <p:childTnLst>
-                        <p:par>
-                          <p:cTn id="4" fill="hold">
-                            <p:stCondLst>
-                              <p:cond delay="0"/>
-                            </p:stCondLst>
-                            <p:childTnLst>
-                              <p:par>
-                                <p:cTn id="5" presetID="1" presetClass="entr" presetSubtype="0" fill="hold" grpId="0" nodeType="clickEffect">
-                                  <p:stCondLst>
-                                    <p:cond delay="0"/>
-                                  </p:stCondLst>
-                                  <p:childTnLst>
-                                    <p:set>
-                                      <p:cBhvr>
-                                        <p:cTn id="6" dur="1" fill="hold">
-                                          <p:stCondLst>
-                                            <p:cond delay="0"/>
-                                          </p:stCondLst>
-                                        </p:cTn>
-                                        <p:tgtEl>
-                                          <p:spTgt spid="3">
-                                            <p:txEl>
-                                              <p:pRg st="1" end="1"/>
-                                            </p:txEl>
-                                          </p:spTgt>
-                                        </p:tgtEl>
-                                        <p:attrNameLst>
-                                          <p:attrName>style.visibility</p:attrName>
-                                        </p:attrNameLst>
-                                      </p:cBhvr>
-                                      <p:to>
-                                        <p:strVal val="visible"/>
-                                      </p:to>
-                                    </p:set>
-                                  </p:childTnLst>
-                                </p:cTn>
-                              </p:par>
-                            </p:childTnLst>
-                          </p:cTn>
-                        </p:par>
-                      </p:childTnLst>
-                    </p:cTn>
-                  </p:par>
-                  <p:par>
-                    <p:cTn id="7" fill="hold">
-                      <p:stCondLst>
-                        <p:cond delay="indefinite"/>
-                      </p:stCondLst>
-                      <p:childTnLst>
-                        <p:par>
-                          <p:cTn id="8" fill="hold">
-                            <p:stCondLst>
-                              <p:cond delay="0"/>
-                            </p:stCondLst>
-                            <p:childTnLst>
-                              <p:par>
-                                <p:cTn id="9" presetID="1" presetClass="entr" presetSubtype="0" fill="hold" grpId="0" nodeType="clickEffect">
-                                  <p:stCondLst>
-                                    <p:cond delay="0"/>
-                                  </p:stCondLst>
-                                  <p:childTnLst>
-                                    <p:set>
-                                      <p:cBhvr>
-                                        <p:cTn id="10" dur="1" fill="hold">
-                                          <p:stCondLst>
-                                            <p:cond delay="0"/>
-                                          </p:stCondLst>
-                                        </p:cTn>
-                                        <p:tgtEl>
-                                          <p:spTgt spid="3">
-                                            <p:txEl>
-                                              <p:pRg st="2" end="2"/>
-                                            </p:txEl>
-                                          </p:spTgt>
-                                        </p:tgtEl>
-                                        <p:attrNameLst>
-                                          <p:attrName>style.visibility</p:attrName>
-                                        </p:attrNameLst>
-                                      </p:cBhvr>
-                                      <p:to>
-                                        <p:strVal val="visible"/>
-                                      </p:to>
-                                    </p:set>
-                                  </p:childTnLst>
-                                </p:cTn>
-                              </p:par>
-                            </p:childTnLst>
-                          </p:cTn>
-                        </p:par>
-                      </p:childTnLst>
-                    </p:cTn>
-                  </p:par>
-                  <p:par>
-                    <p:cTn id="11" fill="hold">
-                      <p:stCondLst>
-                        <p:cond delay="indefinite"/>
-                      </p:stCondLst>
-                      <p:childTnLst>
-                        <p:par>
-                          <p:cTn id="12" fill="hold">
-                            <p:stCondLst>
-                              <p:cond delay="0"/>
-                            </p:stCondLst>
-                            <p:childTnLst>
-                              <p:par>
-                                <p:cTn id="13" presetID="1" presetClass="entr" presetSubtype="0" fill="hold" grpId="0" nodeType="clickEffect">
-                                  <p:stCondLst>
-                                    <p:cond delay="0"/>
-                                  </p:stCondLst>
-                                  <p:childTnLst>
-                                    <p:set>
-                                      <p:cBhvr>
-                                        <p:cTn id="14" dur="1" fill="hold">
-                                          <p:stCondLst>
-                                            <p:cond delay="0"/>
-                                          </p:stCondLst>
-                                        </p:cTn>
-                                        <p:tgtEl>
-                                          <p:spTgt spid="3">
-                                            <p:txEl>
-                                              <p:pRg st="3" end="3"/>
-                                            </p:txEl>
-                                          </p:spTgt>
-                                        </p:tgtEl>
-                                        <p:attrNameLst>
-                                          <p:attrName>style.visibility</p:attrName>
-                                        </p:attrNameLst>
-                                      </p:cBhvr>
-                                      <p:to>
-                                        <p:strVal val="visible"/>
-                                      </p:to>
-                                    </p:set>
-                                  </p:childTnLst>
-                                </p:cTn>
-                              </p:par>
-                            </p:childTnLst>
-                          </p:cTn>
-                        </p:par>
-                      </p:childTnLst>
-                    </p:cTn>
-                  </p:par>
-                  <p:par>
-                    <p:cTn id="15" fill="hold">
-                      <p:stCondLst>
-                        <p:cond delay="indefinite"/>
-                      </p:stCondLst>
-                      <p:childTnLst>
-                        <p:par>
-                          <p:cTn id="16" fill="hold">
-                            <p:stCondLst>
-                              <p:cond delay="0"/>
-                            </p:stCondLst>
-                            <p:childTnLst>
-                              <p:par>
-                                <p:cTn id="17" presetID="1" presetClass="entr" presetSubtype="0" fill="hold" grpId="0" nodeType="clickEffect">
-                                  <p:stCondLst>
-                                    <p:cond delay="0"/>
-                                  </p:stCondLst>
-                                  <p:childTnLst>
-                                    <p:set>
-                                      <p:cBhvr>
-                                        <p:cTn id="18" dur="1" fill="hold">
-                                          <p:stCondLst>
-                                            <p:cond delay="0"/>
-                                          </p:stCondLst>
-                                        </p:cTn>
-                                        <p:tgtEl>
-                                          <p:spTgt spid="3">
-                                            <p:txEl>
-                                              <p:pRg st="4" end="4"/>
-                                            </p:txEl>
-                                          </p:spTgt>
-                                        </p:tgtEl>
-                                        <p:attrNameLst>
-                                          <p:attrName>style.visibility</p:attrName>
-                                        </p:attrNameLst>
-                                      </p:cBhvr>
-                                      <p:to>
-                                        <p:strVal val="visible"/>
-                                      </p:to>
-                                    </p:set>
-                                  </p:childTnLst>
-                                </p:cTn>
-                              </p:par>
-                            </p:childTnLst>
-                          </p:cTn>
-                        </p:par>
-                      </p:childTnLst>
-                    </p:cTn>
-                  </p:par>
-                  <p:par>
-                    <p:cTn id="19" fill="hold">
-                      <p:stCondLst>
-                        <p:cond delay="indefinite"/>
-                      </p:stCondLst>
-                      <p:childTnLst>
-                        <p:par>
-                          <p:cTn id="20" fill="hold">
-                            <p:stCondLst>
-                              <p:cond delay="0"/>
-                            </p:stCondLst>
-                            <p:childTnLst>
-                              <p:par>
-                                <p:cTn id="21" presetID="1" presetClass="entr" presetSubtype="0" fill="hold" grpId="0" nodeType="clickEffect">
-                                  <p:stCondLst>
-                                    <p:cond delay="0"/>
-                                  </p:stCondLst>
-                                  <p:childTnLst>
-                                    <p:set>
-                                      <p:cBhvr>
-                                        <p:cTn id="22" dur="1" fill="hold">
-                                          <p:stCondLst>
-                                            <p:cond delay="0"/>
-                                          </p:stCondLst>
-                                        </p:cTn>
-                                        <p:tgtEl>
-                                          <p:spTgt spid="3">
-                                            <p:txEl>
-                                              <p:pRg st="5" end="5"/>
-                                            </p:txEl>
-                                          </p:spTgt>
-                                        </p:tgtEl>
-                                        <p:attrNameLst>
-                                          <p:attrName>style.visibility</p:attrName>
-                                        </p:attrNameLst>
-                                      </p:cBhvr>
-                                      <p:to>
-                                        <p:strVal val="visible"/>
-                                      </p:to>
-                                    </p:set>
-                                  </p:childTnLst>
-                                </p:cTn>
-                              </p:par>
-                            </p:childTnLst>
-                          </p:cTn>
-                        </p:par>
-                      </p:childTnLst>
-                    </p:cTn>
-                  </p:par>
-                </p:childTnLst>
-              </p:cTn>
-              <p:prevCondLst>
-                <p:cond evt="onPrev" delay="0">
-                  <p:tgtEl>
-                    <p:sldTgt/>
-                  </p:tgtEl>
-                </p:cond>
-              </p:prevCondLst>
-              <p:nextCondLst>
-                <p:cond evt="onNext" delay="0">
-                  <p:tgtEl>
-                    <p:sldTgt/>
-                  </p:tgtEl>
-                </p:cond>
-              </p:nextCondLst>
-            </p:seq>
-          </p:childTnLst>
-        </p:cTn>
+        <p:cTn xmlns:p14="http://schemas.microsoft.com/office/powerpoint/2010/main" id="1" dur="indefinite" restart="never" nodeType="tmRoot"/>
       </p:par>
     </p:tnLst>
-    <p:bldLst>
-      <p:bldP spid="3" grpId="0" uiExpand="1" build="p"/>
-    </p:bldLst>
   </p:timing>
 </p:sld>
 </file>
@@ -14730,15 +11603,6 @@
         <p:txBody>
           <a:bodyPr anchor="ctr"/>
           <a:lstStyle/>
-          <a:p>
-            <a:pPr indent="0" algn="ctr">
-              <a:buNone/>
-            </a:pPr>
-            <a:r>
-              <a:rPr lang="en-US" dirty="0" smtClean="0"/>
-              <a:t>Thanks for coming!</a:t>
-            </a:r>
-          </a:p>
           <a:p>
             <a:pPr indent="0" algn="ctr">
               <a:buNone/>
